--- a/Part II Supervised_Learning/Supervised Learning.pptx
+++ b/Part II Supervised_Learning/Supervised Learning.pptx
@@ -2,8 +2,11 @@
 <file path=ppt/presentation.xml><?xml version="1.0" encoding="utf-8"?>
 <p:presentation xmlns:a="http://schemas.openxmlformats.org/drawingml/2006/main" xmlns:r="http://schemas.openxmlformats.org/officeDocument/2006/relationships" xmlns:p="http://schemas.openxmlformats.org/presentationml/2006/main" saveSubsetFonts="1">
   <p:sldMasterIdLst>
-    <p:sldMasterId id="2147483648" r:id="rId1"/>
+    <p:sldMasterId id="2147483732" r:id="rId1"/>
   </p:sldMasterIdLst>
+  <p:notesMasterIdLst>
+    <p:notesMasterId r:id="rId13"/>
+  </p:notesMasterIdLst>
   <p:sldIdLst>
     <p:sldId id="256" r:id="rId2"/>
     <p:sldId id="270" r:id="rId3"/>
@@ -15,6 +18,7 @@
     <p:sldId id="266" r:id="rId9"/>
     <p:sldId id="269" r:id="rId10"/>
     <p:sldId id="268" r:id="rId11"/>
+    <p:sldId id="273" r:id="rId12"/>
   </p:sldIdLst>
   <p:sldSz cx="9144000" cy="6858000" type="screen4x3"/>
   <p:notesSz cx="6858000" cy="9144000"/>
@@ -116,8 +120,442 @@
 </p:presentation>
 </file>
 
+<file path=ppt/notesMasters/notesMaster1.xml><?xml version="1.0" encoding="utf-8"?>
+<p:notesMaster xmlns:a="http://schemas.openxmlformats.org/drawingml/2006/main" xmlns:r="http://schemas.openxmlformats.org/officeDocument/2006/relationships" xmlns:p="http://schemas.openxmlformats.org/presentationml/2006/main">
+  <p:cSld>
+    <p:bg>
+      <p:bgRef idx="1001">
+        <a:schemeClr val="bg1"/>
+      </p:bgRef>
+    </p:bg>
+    <p:spTree>
+      <p:nvGrpSpPr>
+        <p:cNvPr id="1" name=""/>
+        <p:cNvGrpSpPr/>
+        <p:nvPr/>
+      </p:nvGrpSpPr>
+      <p:grpSpPr>
+        <a:xfrm>
+          <a:off x="0" y="0"/>
+          <a:ext cx="0" cy="0"/>
+          <a:chOff x="0" y="0"/>
+          <a:chExt cx="0" cy="0"/>
+        </a:xfrm>
+      </p:grpSpPr>
+      <p:sp>
+        <p:nvSpPr>
+          <p:cNvPr id="2" name="Header Placeholder 1"/>
+          <p:cNvSpPr>
+            <a:spLocks noGrp="1"/>
+          </p:cNvSpPr>
+          <p:nvPr>
+            <p:ph type="hdr" sz="quarter"/>
+          </p:nvPr>
+        </p:nvSpPr>
+        <p:spPr>
+          <a:xfrm>
+            <a:off x="0" y="0"/>
+            <a:ext cx="2971800" cy="457200"/>
+          </a:xfrm>
+          <a:prstGeom prst="rect">
+            <a:avLst/>
+          </a:prstGeom>
+        </p:spPr>
+        <p:txBody>
+          <a:bodyPr vert="horz" lIns="91440" tIns="45720" rIns="91440" bIns="45720" rtlCol="0"/>
+          <a:lstStyle>
+            <a:lvl1pPr algn="l">
+              <a:defRPr sz="1200"/>
+            </a:lvl1pPr>
+          </a:lstStyle>
+          <a:p>
+            <a:endParaRPr lang="en-US"/>
+          </a:p>
+        </p:txBody>
+      </p:sp>
+      <p:sp>
+        <p:nvSpPr>
+          <p:cNvPr id="3" name="Date Placeholder 2"/>
+          <p:cNvSpPr>
+            <a:spLocks noGrp="1"/>
+          </p:cNvSpPr>
+          <p:nvPr>
+            <p:ph type="dt" idx="1"/>
+          </p:nvPr>
+        </p:nvSpPr>
+        <p:spPr>
+          <a:xfrm>
+            <a:off x="3884613" y="0"/>
+            <a:ext cx="2971800" cy="457200"/>
+          </a:xfrm>
+          <a:prstGeom prst="rect">
+            <a:avLst/>
+          </a:prstGeom>
+        </p:spPr>
+        <p:txBody>
+          <a:bodyPr vert="horz" lIns="91440" tIns="45720" rIns="91440" bIns="45720" rtlCol="0"/>
+          <a:lstStyle>
+            <a:lvl1pPr algn="r">
+              <a:defRPr sz="1200"/>
+            </a:lvl1pPr>
+          </a:lstStyle>
+          <a:p>
+            <a:fld id="{4C25ABEB-4FA7-4B90-BB41-D03170F499B9}" type="datetimeFigureOut">
+              <a:rPr lang="en-US" smtClean="0"/>
+              <a:t>3/8/2019</a:t>
+            </a:fld>
+            <a:endParaRPr lang="en-US"/>
+          </a:p>
+        </p:txBody>
+      </p:sp>
+      <p:sp>
+        <p:nvSpPr>
+          <p:cNvPr id="4" name="Slide Image Placeholder 3"/>
+          <p:cNvSpPr>
+            <a:spLocks noGrp="1" noRot="1" noChangeAspect="1"/>
+          </p:cNvSpPr>
+          <p:nvPr>
+            <p:ph type="sldImg" idx="2"/>
+          </p:nvPr>
+        </p:nvSpPr>
+        <p:spPr>
+          <a:xfrm>
+            <a:off x="1143000" y="685800"/>
+            <a:ext cx="4572000" cy="3429000"/>
+          </a:xfrm>
+          <a:prstGeom prst="rect">
+            <a:avLst/>
+          </a:prstGeom>
+          <a:noFill/>
+          <a:ln w="12700">
+            <a:solidFill>
+              <a:prstClr val="black"/>
+            </a:solidFill>
+          </a:ln>
+        </p:spPr>
+        <p:txBody>
+          <a:bodyPr vert="horz" lIns="91440" tIns="45720" rIns="91440" bIns="45720" rtlCol="0" anchor="ctr"/>
+          <a:lstStyle/>
+          <a:p>
+            <a:endParaRPr lang="en-US"/>
+          </a:p>
+        </p:txBody>
+      </p:sp>
+      <p:sp>
+        <p:nvSpPr>
+          <p:cNvPr id="5" name="Notes Placeholder 4"/>
+          <p:cNvSpPr>
+            <a:spLocks noGrp="1"/>
+          </p:cNvSpPr>
+          <p:nvPr>
+            <p:ph type="body" sz="quarter" idx="3"/>
+          </p:nvPr>
+        </p:nvSpPr>
+        <p:spPr>
+          <a:xfrm>
+            <a:off x="685800" y="4343400"/>
+            <a:ext cx="5486400" cy="4114800"/>
+          </a:xfrm>
+          <a:prstGeom prst="rect">
+            <a:avLst/>
+          </a:prstGeom>
+        </p:spPr>
+        <p:txBody>
+          <a:bodyPr vert="horz" lIns="91440" tIns="45720" rIns="91440" bIns="45720" rtlCol="0"/>
+          <a:lstStyle/>
+          <a:p>
+            <a:pPr lvl="0"/>
+            <a:r>
+              <a:rPr lang="en-US" smtClean="0"/>
+              <a:t>Click to edit Master text styles</a:t>
+            </a:r>
+          </a:p>
+          <a:p>
+            <a:pPr lvl="1"/>
+            <a:r>
+              <a:rPr lang="en-US" smtClean="0"/>
+              <a:t>Second level</a:t>
+            </a:r>
+          </a:p>
+          <a:p>
+            <a:pPr lvl="2"/>
+            <a:r>
+              <a:rPr lang="en-US" smtClean="0"/>
+              <a:t>Third level</a:t>
+            </a:r>
+          </a:p>
+          <a:p>
+            <a:pPr lvl="3"/>
+            <a:r>
+              <a:rPr lang="en-US" smtClean="0"/>
+              <a:t>Fourth level</a:t>
+            </a:r>
+          </a:p>
+          <a:p>
+            <a:pPr lvl="4"/>
+            <a:r>
+              <a:rPr lang="en-US" smtClean="0"/>
+              <a:t>Fifth level</a:t>
+            </a:r>
+            <a:endParaRPr lang="en-US"/>
+          </a:p>
+        </p:txBody>
+      </p:sp>
+      <p:sp>
+        <p:nvSpPr>
+          <p:cNvPr id="6" name="Footer Placeholder 5"/>
+          <p:cNvSpPr>
+            <a:spLocks noGrp="1"/>
+          </p:cNvSpPr>
+          <p:nvPr>
+            <p:ph type="ftr" sz="quarter" idx="4"/>
+          </p:nvPr>
+        </p:nvSpPr>
+        <p:spPr>
+          <a:xfrm>
+            <a:off x="0" y="8685213"/>
+            <a:ext cx="2971800" cy="457200"/>
+          </a:xfrm>
+          <a:prstGeom prst="rect">
+            <a:avLst/>
+          </a:prstGeom>
+        </p:spPr>
+        <p:txBody>
+          <a:bodyPr vert="horz" lIns="91440" tIns="45720" rIns="91440" bIns="45720" rtlCol="0" anchor="b"/>
+          <a:lstStyle>
+            <a:lvl1pPr algn="l">
+              <a:defRPr sz="1200"/>
+            </a:lvl1pPr>
+          </a:lstStyle>
+          <a:p>
+            <a:endParaRPr lang="en-US"/>
+          </a:p>
+        </p:txBody>
+      </p:sp>
+      <p:sp>
+        <p:nvSpPr>
+          <p:cNvPr id="7" name="Slide Number Placeholder 6"/>
+          <p:cNvSpPr>
+            <a:spLocks noGrp="1"/>
+          </p:cNvSpPr>
+          <p:nvPr>
+            <p:ph type="sldNum" sz="quarter" idx="5"/>
+          </p:nvPr>
+        </p:nvSpPr>
+        <p:spPr>
+          <a:xfrm>
+            <a:off x="3884613" y="8685213"/>
+            <a:ext cx="2971800" cy="457200"/>
+          </a:xfrm>
+          <a:prstGeom prst="rect">
+            <a:avLst/>
+          </a:prstGeom>
+        </p:spPr>
+        <p:txBody>
+          <a:bodyPr vert="horz" lIns="91440" tIns="45720" rIns="91440" bIns="45720" rtlCol="0" anchor="b"/>
+          <a:lstStyle>
+            <a:lvl1pPr algn="r">
+              <a:defRPr sz="1200"/>
+            </a:lvl1pPr>
+          </a:lstStyle>
+          <a:p>
+            <a:fld id="{CDBA3D65-3F4E-4217-9026-43F97F1294AB}" type="slidenum">
+              <a:rPr lang="en-US" smtClean="0"/>
+              <a:t>‹#›</a:t>
+            </a:fld>
+            <a:endParaRPr lang="en-US"/>
+          </a:p>
+        </p:txBody>
+      </p:sp>
+    </p:spTree>
+    <p:extLst>
+      <p:ext uri="{BB962C8B-B14F-4D97-AF65-F5344CB8AC3E}">
+        <p14:creationId xmlns:p14="http://schemas.microsoft.com/office/powerpoint/2010/main" val="3382495196"/>
+      </p:ext>
+    </p:extLst>
+  </p:cSld>
+  <p:clrMap bg1="lt1" tx1="dk1" bg2="lt2" tx2="dk2" accent1="accent1" accent2="accent2" accent3="accent3" accent4="accent4" accent5="accent5" accent6="accent6" hlink="hlink" folHlink="folHlink"/>
+  <p:notesStyle>
+    <a:lvl1pPr marL="0" algn="l" defTabSz="914400" rtl="0" eaLnBrk="1" latinLnBrk="0" hangingPunct="1">
+      <a:defRPr sz="1200" kern="1200">
+        <a:solidFill>
+          <a:schemeClr val="tx1"/>
+        </a:solidFill>
+        <a:latin typeface="+mn-lt"/>
+        <a:ea typeface="+mn-ea"/>
+        <a:cs typeface="+mn-cs"/>
+      </a:defRPr>
+    </a:lvl1pPr>
+    <a:lvl2pPr marL="457200" algn="l" defTabSz="914400" rtl="0" eaLnBrk="1" latinLnBrk="0" hangingPunct="1">
+      <a:defRPr sz="1200" kern="1200">
+        <a:solidFill>
+          <a:schemeClr val="tx1"/>
+        </a:solidFill>
+        <a:latin typeface="+mn-lt"/>
+        <a:ea typeface="+mn-ea"/>
+        <a:cs typeface="+mn-cs"/>
+      </a:defRPr>
+    </a:lvl2pPr>
+    <a:lvl3pPr marL="914400" algn="l" defTabSz="914400" rtl="0" eaLnBrk="1" latinLnBrk="0" hangingPunct="1">
+      <a:defRPr sz="1200" kern="1200">
+        <a:solidFill>
+          <a:schemeClr val="tx1"/>
+        </a:solidFill>
+        <a:latin typeface="+mn-lt"/>
+        <a:ea typeface="+mn-ea"/>
+        <a:cs typeface="+mn-cs"/>
+      </a:defRPr>
+    </a:lvl3pPr>
+    <a:lvl4pPr marL="1371600" algn="l" defTabSz="914400" rtl="0" eaLnBrk="1" latinLnBrk="0" hangingPunct="1">
+      <a:defRPr sz="1200" kern="1200">
+        <a:solidFill>
+          <a:schemeClr val="tx1"/>
+        </a:solidFill>
+        <a:latin typeface="+mn-lt"/>
+        <a:ea typeface="+mn-ea"/>
+        <a:cs typeface="+mn-cs"/>
+      </a:defRPr>
+    </a:lvl4pPr>
+    <a:lvl5pPr marL="1828800" algn="l" defTabSz="914400" rtl="0" eaLnBrk="1" latinLnBrk="0" hangingPunct="1">
+      <a:defRPr sz="1200" kern="1200">
+        <a:solidFill>
+          <a:schemeClr val="tx1"/>
+        </a:solidFill>
+        <a:latin typeface="+mn-lt"/>
+        <a:ea typeface="+mn-ea"/>
+        <a:cs typeface="+mn-cs"/>
+      </a:defRPr>
+    </a:lvl5pPr>
+    <a:lvl6pPr marL="2286000" algn="l" defTabSz="914400" rtl="0" eaLnBrk="1" latinLnBrk="0" hangingPunct="1">
+      <a:defRPr sz="1200" kern="1200">
+        <a:solidFill>
+          <a:schemeClr val="tx1"/>
+        </a:solidFill>
+        <a:latin typeface="+mn-lt"/>
+        <a:ea typeface="+mn-ea"/>
+        <a:cs typeface="+mn-cs"/>
+      </a:defRPr>
+    </a:lvl6pPr>
+    <a:lvl7pPr marL="2743200" algn="l" defTabSz="914400" rtl="0" eaLnBrk="1" latinLnBrk="0" hangingPunct="1">
+      <a:defRPr sz="1200" kern="1200">
+        <a:solidFill>
+          <a:schemeClr val="tx1"/>
+        </a:solidFill>
+        <a:latin typeface="+mn-lt"/>
+        <a:ea typeface="+mn-ea"/>
+        <a:cs typeface="+mn-cs"/>
+      </a:defRPr>
+    </a:lvl7pPr>
+    <a:lvl8pPr marL="3200400" algn="l" defTabSz="914400" rtl="0" eaLnBrk="1" latinLnBrk="0" hangingPunct="1">
+      <a:defRPr sz="1200" kern="1200">
+        <a:solidFill>
+          <a:schemeClr val="tx1"/>
+        </a:solidFill>
+        <a:latin typeface="+mn-lt"/>
+        <a:ea typeface="+mn-ea"/>
+        <a:cs typeface="+mn-cs"/>
+      </a:defRPr>
+    </a:lvl8pPr>
+    <a:lvl9pPr marL="3657600" algn="l" defTabSz="914400" rtl="0" eaLnBrk="1" latinLnBrk="0" hangingPunct="1">
+      <a:defRPr sz="1200" kern="1200">
+        <a:solidFill>
+          <a:schemeClr val="tx1"/>
+        </a:solidFill>
+        <a:latin typeface="+mn-lt"/>
+        <a:ea typeface="+mn-ea"/>
+        <a:cs typeface="+mn-cs"/>
+      </a:defRPr>
+    </a:lvl9pPr>
+  </p:notesStyle>
+</p:notesMaster>
+</file>
+
+<file path=ppt/notesSlides/notesSlide1.xml><?xml version="1.0" encoding="utf-8"?>
+<p:notes xmlns:a="http://schemas.openxmlformats.org/drawingml/2006/main" xmlns:r="http://schemas.openxmlformats.org/officeDocument/2006/relationships" xmlns:p="http://schemas.openxmlformats.org/presentationml/2006/main">
+  <p:cSld>
+    <p:spTree>
+      <p:nvGrpSpPr>
+        <p:cNvPr id="1" name=""/>
+        <p:cNvGrpSpPr/>
+        <p:nvPr/>
+      </p:nvGrpSpPr>
+      <p:grpSpPr>
+        <a:xfrm>
+          <a:off x="0" y="0"/>
+          <a:ext cx="0" cy="0"/>
+          <a:chOff x="0" y="0"/>
+          <a:chExt cx="0" cy="0"/>
+        </a:xfrm>
+      </p:grpSpPr>
+      <p:sp>
+        <p:nvSpPr>
+          <p:cNvPr id="2" name="Slide Image Placeholder 1"/>
+          <p:cNvSpPr>
+            <a:spLocks noGrp="1" noRot="1" noChangeAspect="1"/>
+          </p:cNvSpPr>
+          <p:nvPr>
+            <p:ph type="sldImg"/>
+          </p:nvPr>
+        </p:nvSpPr>
+        <p:spPr/>
+      </p:sp>
+      <p:sp>
+        <p:nvSpPr>
+          <p:cNvPr id="3" name="Notes Placeholder 2"/>
+          <p:cNvSpPr>
+            <a:spLocks noGrp="1"/>
+          </p:cNvSpPr>
+          <p:nvPr>
+            <p:ph type="body" idx="1"/>
+          </p:nvPr>
+        </p:nvSpPr>
+        <p:spPr/>
+        <p:txBody>
+          <a:bodyPr/>
+          <a:lstStyle/>
+          <a:p>
+            <a:endParaRPr lang="en-US"/>
+          </a:p>
+        </p:txBody>
+      </p:sp>
+      <p:sp>
+        <p:nvSpPr>
+          <p:cNvPr id="4" name="Slide Number Placeholder 3"/>
+          <p:cNvSpPr>
+            <a:spLocks noGrp="1"/>
+          </p:cNvSpPr>
+          <p:nvPr>
+            <p:ph type="sldNum" sz="quarter" idx="10"/>
+          </p:nvPr>
+        </p:nvSpPr>
+        <p:spPr/>
+        <p:txBody>
+          <a:bodyPr/>
+          <a:lstStyle/>
+          <a:p>
+            <a:fld id="{CDBA3D65-3F4E-4217-9026-43F97F1294AB}" type="slidenum">
+              <a:rPr lang="en-US" smtClean="0"/>
+              <a:t>1</a:t>
+            </a:fld>
+            <a:endParaRPr lang="en-US"/>
+          </a:p>
+        </p:txBody>
+      </p:sp>
+    </p:spTree>
+    <p:extLst>
+      <p:ext uri="{BB962C8B-B14F-4D97-AF65-F5344CB8AC3E}">
+        <p14:creationId xmlns:p14="http://schemas.microsoft.com/office/powerpoint/2010/main" val="3013711355"/>
+      </p:ext>
+    </p:extLst>
+  </p:cSld>
+  <p:clrMapOvr>
+    <a:masterClrMapping/>
+  </p:clrMapOvr>
+</p:notes>
+</file>
+
 <file path=ppt/slideLayouts/slideLayout1.xml><?xml version="1.0" encoding="utf-8"?>
-<p:sldLayout xmlns:a="http://schemas.openxmlformats.org/drawingml/2006/main" xmlns:r="http://schemas.openxmlformats.org/officeDocument/2006/relationships" xmlns:p="http://schemas.openxmlformats.org/presentationml/2006/main" type="title" preserve="1">
+<p:sldLayout xmlns:a="http://schemas.openxmlformats.org/drawingml/2006/main" xmlns:r="http://schemas.openxmlformats.org/officeDocument/2006/relationships" xmlns:p="http://schemas.openxmlformats.org/presentationml/2006/main" showMasterSp="0" type="title" preserve="1">
   <p:cSld name="Title Slide">
     <p:spTree>
       <p:nvGrpSpPr>
@@ -133,30 +571,92 @@
           <a:chExt cx="0" cy="0"/>
         </a:xfrm>
       </p:grpSpPr>
-      <p:sp>
-        <p:nvSpPr>
-          <p:cNvPr id="2" name="Title 1"/>
-          <p:cNvSpPr>
-            <a:spLocks noGrp="1"/>
-          </p:cNvSpPr>
-          <p:nvPr>
-            <p:ph type="ctrTitle"/>
-          </p:nvPr>
-        </p:nvSpPr>
+      <p:pic>
+        <p:nvPicPr>
+          <p:cNvPr id="7" name="Picture 6" descr="horizon.png"/>
+          <p:cNvPicPr>
+            <a:picLocks noChangeAspect="1"/>
+          </p:cNvPicPr>
+          <p:nvPr/>
+        </p:nvPicPr>
+        <p:blipFill>
+          <a:blip r:embed="rId2" cstate="print"/>
+          <a:srcRect t="33333"/>
+          <a:stretch>
+            <a:fillRect/>
+          </a:stretch>
+        </p:blipFill>
         <p:spPr>
           <a:xfrm>
-            <a:off x="685800" y="2130425"/>
-            <a:ext cx="7772400" cy="1470025"/>
+            <a:off x="0" y="0"/>
+            <a:ext cx="9144000" cy="4572000"/>
           </a:xfrm>
+          <a:prstGeom prst="rect">
+            <a:avLst/>
+          </a:prstGeom>
         </p:spPr>
+      </p:pic>
+      <p:sp>
+        <p:nvSpPr>
+          <p:cNvPr id="4" name="Date Placeholder 3"/>
+          <p:cNvSpPr>
+            <a:spLocks noGrp="1"/>
+          </p:cNvSpPr>
+          <p:nvPr>
+            <p:ph type="dt" sz="half" idx="10"/>
+          </p:nvPr>
+        </p:nvSpPr>
+        <p:spPr/>
         <p:txBody>
           <a:bodyPr/>
           <a:lstStyle/>
           <a:p>
-            <a:r>
-              <a:rPr lang="en-US" smtClean="0"/>
-              <a:t>Click to edit Master title style</a:t>
-            </a:r>
+            <a:fld id="{EC494DC5-3CA6-4FDC-BD75-13F2FEB8B97C}" type="datetimeFigureOut">
+              <a:rPr lang="en-US" smtClean="0"/>
+              <a:t>3/8/2019</a:t>
+            </a:fld>
+            <a:endParaRPr lang="en-US"/>
+          </a:p>
+        </p:txBody>
+      </p:sp>
+      <p:sp>
+        <p:nvSpPr>
+          <p:cNvPr id="5" name="Footer Placeholder 4"/>
+          <p:cNvSpPr>
+            <a:spLocks noGrp="1"/>
+          </p:cNvSpPr>
+          <p:nvPr>
+            <p:ph type="ftr" sz="quarter" idx="11"/>
+          </p:nvPr>
+        </p:nvSpPr>
+        <p:spPr/>
+        <p:txBody>
+          <a:bodyPr/>
+          <a:lstStyle/>
+          <a:p>
+            <a:endParaRPr lang="en-US"/>
+          </a:p>
+        </p:txBody>
+      </p:sp>
+      <p:sp>
+        <p:nvSpPr>
+          <p:cNvPr id="6" name="Slide Number Placeholder 5"/>
+          <p:cNvSpPr>
+            <a:spLocks noGrp="1"/>
+          </p:cNvSpPr>
+          <p:nvPr>
+            <p:ph type="sldNum" sz="quarter" idx="12"/>
+          </p:nvPr>
+        </p:nvSpPr>
+        <p:spPr/>
+        <p:txBody>
+          <a:bodyPr/>
+          <a:lstStyle/>
+          <a:p>
+            <a:fld id="{C5DC62BE-57F7-4B81-BBB5-CB654A044AC5}" type="slidenum">
+              <a:rPr lang="en-US" smtClean="0"/>
+              <a:t>‹#›</a:t>
+            </a:fld>
             <a:endParaRPr lang="en-US"/>
           </a:p>
         </p:txBody>
@@ -173,20 +673,20 @@
         </p:nvSpPr>
         <p:spPr>
           <a:xfrm>
-            <a:off x="1371600" y="3886200"/>
+            <a:off x="1219200" y="3886200"/>
             <a:ext cx="6400800" cy="1752600"/>
           </a:xfrm>
         </p:spPr>
         <p:txBody>
-          <a:bodyPr/>
+          <a:bodyPr>
+            <a:normAutofit/>
+          </a:bodyPr>
           <a:lstStyle>
             <a:lvl1pPr marL="0" indent="0" algn="ctr">
               <a:buNone/>
-              <a:defRPr>
+              <a:defRPr sz="1700" baseline="0">
                 <a:solidFill>
-                  <a:schemeClr val="tx1">
-                    <a:tint val="75000"/>
-                  </a:schemeClr>
+                  <a:schemeClr val="tx2"/>
                 </a:solidFill>
               </a:defRPr>
             </a:lvl1pPr>
@@ -276,85 +776,54 @@
               <a:rPr lang="en-US" smtClean="0"/>
               <a:t>Click to edit Master subtitle style</a:t>
             </a:r>
-            <a:endParaRPr lang="en-US"/>
-          </a:p>
-        </p:txBody>
-      </p:sp>
-      <p:sp>
-        <p:nvSpPr>
-          <p:cNvPr id="4" name="Date Placeholder 3"/>
-          <p:cNvSpPr>
-            <a:spLocks noGrp="1"/>
-          </p:cNvSpPr>
-          <p:nvPr>
-            <p:ph type="dt" sz="half" idx="10"/>
-          </p:nvPr>
-        </p:nvSpPr>
-        <p:spPr/>
+            <a:endParaRPr lang="en-US" dirty="0"/>
+          </a:p>
+        </p:txBody>
+      </p:sp>
+      <p:sp>
+        <p:nvSpPr>
+          <p:cNvPr id="2" name="Title 1"/>
+          <p:cNvSpPr>
+            <a:spLocks noGrp="1"/>
+          </p:cNvSpPr>
+          <p:nvPr>
+            <p:ph type="ctrTitle"/>
+          </p:nvPr>
+        </p:nvSpPr>
+        <p:spPr>
+          <a:xfrm>
+            <a:off x="685800" y="2007888"/>
+            <a:ext cx="7772400" cy="1470025"/>
+          </a:xfrm>
+        </p:spPr>
         <p:txBody>
           <a:bodyPr/>
-          <a:lstStyle/>
-          <a:p>
-            <a:fld id="{EC494DC5-3CA6-4FDC-BD75-13F2FEB8B97C}" type="datetimeFigureOut">
-              <a:rPr lang="en-US" smtClean="0"/>
-              <a:t>11/25/2017</a:t>
-            </a:fld>
-            <a:endParaRPr lang="en-US"/>
-          </a:p>
-        </p:txBody>
-      </p:sp>
-      <p:sp>
-        <p:nvSpPr>
-          <p:cNvPr id="5" name="Footer Placeholder 4"/>
-          <p:cNvSpPr>
-            <a:spLocks noGrp="1"/>
-          </p:cNvSpPr>
-          <p:nvPr>
-            <p:ph type="ftr" sz="quarter" idx="11"/>
-          </p:nvPr>
-        </p:nvSpPr>
-        <p:spPr/>
-        <p:txBody>
-          <a:bodyPr/>
-          <a:lstStyle/>
-          <a:p>
-            <a:endParaRPr lang="en-US"/>
-          </a:p>
-        </p:txBody>
-      </p:sp>
-      <p:sp>
-        <p:nvSpPr>
-          <p:cNvPr id="6" name="Slide Number Placeholder 5"/>
-          <p:cNvSpPr>
-            <a:spLocks noGrp="1"/>
-          </p:cNvSpPr>
-          <p:nvPr>
-            <p:ph type="sldNum" sz="quarter" idx="12"/>
-          </p:nvPr>
-        </p:nvSpPr>
-        <p:spPr/>
-        <p:txBody>
-          <a:bodyPr/>
-          <a:lstStyle/>
-          <a:p>
-            <a:fld id="{C5DC62BE-57F7-4B81-BBB5-CB654A044AC5}" type="slidenum">
-              <a:rPr lang="en-US" smtClean="0"/>
-              <a:t>‹#›</a:t>
-            </a:fld>
-            <a:endParaRPr lang="en-US"/>
+          <a:lstStyle>
+            <a:lvl1pPr algn="ctr">
+              <a:defRPr sz="3200"/>
+            </a:lvl1pPr>
+          </a:lstStyle>
+          <a:p>
+            <a:r>
+              <a:rPr lang="en-US" smtClean="0"/>
+              <a:t>Click to edit Master title style</a:t>
+            </a:r>
+            <a:endParaRPr lang="en-US" dirty="0"/>
           </a:p>
         </p:txBody>
       </p:sp>
     </p:spTree>
-    <p:extLst>
-      <p:ext uri="{BB962C8B-B14F-4D97-AF65-F5344CB8AC3E}">
-        <p14:creationId xmlns:p14="http://schemas.microsoft.com/office/powerpoint/2010/main" val="3552502778"/>
-      </p:ext>
-    </p:extLst>
   </p:cSld>
   <p:clrMapOvr>
     <a:masterClrMapping/>
   </p:clrMapOvr>
+  <p:timing>
+    <p:tnLst>
+      <p:par>
+        <p:cTn id="1" dur="indefinite" restart="never" nodeType="tmRoot"/>
+      </p:par>
+    </p:tnLst>
+  </p:timing>
 </p:sldLayout>
 </file>
 
@@ -394,7 +863,7 @@
               <a:rPr lang="en-US" smtClean="0"/>
               <a:t>Click to edit Master title style</a:t>
             </a:r>
-            <a:endParaRPr lang="en-US"/>
+            <a:endParaRPr lang="en-US" dirty="0"/>
           </a:p>
         </p:txBody>
       </p:sp>
@@ -467,7 +936,7 @@
           <a:p>
             <a:fld id="{EC494DC5-3CA6-4FDC-BD75-13F2FEB8B97C}" type="datetimeFigureOut">
               <a:rPr lang="en-US" smtClean="0"/>
-              <a:t>11/25/2017</a:t>
+              <a:t>3/8/2019</a:t>
             </a:fld>
             <a:endParaRPr lang="en-US"/>
           </a:p>
@@ -516,11 +985,6 @@
         </p:txBody>
       </p:sp>
     </p:spTree>
-    <p:extLst>
-      <p:ext uri="{BB962C8B-B14F-4D97-AF65-F5344CB8AC3E}">
-        <p14:creationId xmlns:p14="http://schemas.microsoft.com/office/powerpoint/2010/main" val="1527318028"/>
-      </p:ext>
-    </p:extLst>
   </p:cSld>
   <p:clrMapOvr>
     <a:masterClrMapping/>
@@ -569,7 +1033,7 @@
               <a:rPr lang="en-US" smtClean="0"/>
               <a:t>Click to edit Master title style</a:t>
             </a:r>
-            <a:endParaRPr lang="en-US"/>
+            <a:endParaRPr lang="en-US" dirty="0"/>
           </a:p>
         </p:txBody>
       </p:sp>
@@ -647,7 +1111,7 @@
           <a:p>
             <a:fld id="{EC494DC5-3CA6-4FDC-BD75-13F2FEB8B97C}" type="datetimeFigureOut">
               <a:rPr lang="en-US" smtClean="0"/>
-              <a:t>11/25/2017</a:t>
+              <a:t>3/8/2019</a:t>
             </a:fld>
             <a:endParaRPr lang="en-US"/>
           </a:p>
@@ -696,11 +1160,6 @@
         </p:txBody>
       </p:sp>
     </p:spTree>
-    <p:extLst>
-      <p:ext uri="{BB962C8B-B14F-4D97-AF65-F5344CB8AC3E}">
-        <p14:creationId xmlns:p14="http://schemas.microsoft.com/office/powerpoint/2010/main" val="2684337971"/>
-      </p:ext>
-    </p:extLst>
   </p:cSld>
   <p:clrMapOvr>
     <a:masterClrMapping/>
@@ -735,7 +1194,12 @@
             <p:ph type="title"/>
           </p:nvPr>
         </p:nvSpPr>
-        <p:spPr/>
+        <p:spPr>
+          <a:xfrm>
+            <a:off x="609600" y="274638"/>
+            <a:ext cx="7924800" cy="1143000"/>
+          </a:xfrm>
+        </p:spPr>
         <p:txBody>
           <a:bodyPr/>
           <a:lstStyle/>
@@ -744,18 +1208,18 @@
               <a:rPr lang="en-US" smtClean="0"/>
               <a:t>Click to edit Master title style</a:t>
             </a:r>
-            <a:endParaRPr lang="en-US"/>
-          </a:p>
-        </p:txBody>
-      </p:sp>
-      <p:sp>
-        <p:nvSpPr>
-          <p:cNvPr id="3" name="Content Placeholder 2"/>
-          <p:cNvSpPr>
-            <a:spLocks noGrp="1"/>
-          </p:cNvSpPr>
-          <p:nvPr>
-            <p:ph idx="1"/>
+            <a:endParaRPr lang="en-US" dirty="0"/>
+          </a:p>
+        </p:txBody>
+      </p:sp>
+      <p:sp>
+        <p:nvSpPr>
+          <p:cNvPr id="4" name="Date Placeholder 3"/>
+          <p:cNvSpPr>
+            <a:spLocks noGrp="1"/>
+          </p:cNvSpPr>
+          <p:nvPr>
+            <p:ph type="dt" sz="half" idx="10"/>
           </p:nvPr>
         </p:nvSpPr>
         <p:spPr/>
@@ -763,61 +1227,9 @@
           <a:bodyPr/>
           <a:lstStyle/>
           <a:p>
-            <a:pPr lvl="0"/>
-            <a:r>
-              <a:rPr lang="en-US" smtClean="0"/>
-              <a:t>Click to edit Master text styles</a:t>
-            </a:r>
-          </a:p>
-          <a:p>
-            <a:pPr lvl="1"/>
-            <a:r>
-              <a:rPr lang="en-US" smtClean="0"/>
-              <a:t>Second level</a:t>
-            </a:r>
-          </a:p>
-          <a:p>
-            <a:pPr lvl="2"/>
-            <a:r>
-              <a:rPr lang="en-US" smtClean="0"/>
-              <a:t>Third level</a:t>
-            </a:r>
-          </a:p>
-          <a:p>
-            <a:pPr lvl="3"/>
-            <a:r>
-              <a:rPr lang="en-US" smtClean="0"/>
-              <a:t>Fourth level</a:t>
-            </a:r>
-          </a:p>
-          <a:p>
-            <a:pPr lvl="4"/>
-            <a:r>
-              <a:rPr lang="en-US" smtClean="0"/>
-              <a:t>Fifth level</a:t>
-            </a:r>
-            <a:endParaRPr lang="en-US"/>
-          </a:p>
-        </p:txBody>
-      </p:sp>
-      <p:sp>
-        <p:nvSpPr>
-          <p:cNvPr id="4" name="Date Placeholder 3"/>
-          <p:cNvSpPr>
-            <a:spLocks noGrp="1"/>
-          </p:cNvSpPr>
-          <p:nvPr>
-            <p:ph type="dt" sz="half" idx="10"/>
-          </p:nvPr>
-        </p:nvSpPr>
-        <p:spPr/>
-        <p:txBody>
-          <a:bodyPr/>
-          <a:lstStyle/>
-          <a:p>
             <a:fld id="{EC494DC5-3CA6-4FDC-BD75-13F2FEB8B97C}" type="datetimeFigureOut">
               <a:rPr lang="en-US" smtClean="0"/>
-              <a:t>11/25/2017</a:t>
+              <a:t>3/8/2019</a:t>
             </a:fld>
             <a:endParaRPr lang="en-US"/>
           </a:p>
@@ -865,12 +1277,64 @@
           </a:p>
         </p:txBody>
       </p:sp>
+      <p:sp>
+        <p:nvSpPr>
+          <p:cNvPr id="8" name="Content Placeholder 7"/>
+          <p:cNvSpPr>
+            <a:spLocks noGrp="1"/>
+          </p:cNvSpPr>
+          <p:nvPr>
+            <p:ph sz="quarter" idx="13"/>
+          </p:nvPr>
+        </p:nvSpPr>
+        <p:spPr>
+          <a:xfrm>
+            <a:off x="609600" y="1600200"/>
+            <a:ext cx="7924800" cy="4114800"/>
+          </a:xfrm>
+        </p:spPr>
+        <p:txBody>
+          <a:bodyPr/>
+          <a:lstStyle/>
+          <a:p>
+            <a:pPr lvl="0"/>
+            <a:r>
+              <a:rPr lang="en-US" smtClean="0"/>
+              <a:t>Click to edit Master text styles</a:t>
+            </a:r>
+          </a:p>
+          <a:p>
+            <a:pPr lvl="1"/>
+            <a:r>
+              <a:rPr lang="en-US" smtClean="0"/>
+              <a:t>Second level</a:t>
+            </a:r>
+          </a:p>
+          <a:p>
+            <a:pPr lvl="2"/>
+            <a:r>
+              <a:rPr lang="en-US" smtClean="0"/>
+              <a:t>Third level</a:t>
+            </a:r>
+          </a:p>
+          <a:p>
+            <a:pPr lvl="3"/>
+            <a:r>
+              <a:rPr lang="en-US" smtClean="0"/>
+              <a:t>Fourth level</a:t>
+            </a:r>
+          </a:p>
+          <a:p>
+            <a:pPr lvl="4"/>
+            <a:r>
+              <a:rPr lang="en-US" smtClean="0"/>
+              <a:t>Fifth level</a:t>
+            </a:r>
+            <a:endParaRPr lang="en-US" dirty="0"/>
+          </a:p>
+        </p:txBody>
+      </p:sp>
     </p:spTree>
-    <p:extLst>
-      <p:ext uri="{BB962C8B-B14F-4D97-AF65-F5344CB8AC3E}">
-        <p14:creationId xmlns:p14="http://schemas.microsoft.com/office/powerpoint/2010/main" val="3303136242"/>
-      </p:ext>
-    </p:extLst>
   </p:cSld>
   <p:clrMapOvr>
     <a:masterClrMapping/>
@@ -879,7 +1343,7 @@
 </file>
 
 <file path=ppt/slideLayouts/slideLayout3.xml><?xml version="1.0" encoding="utf-8"?>
-<p:sldLayout xmlns:a="http://schemas.openxmlformats.org/drawingml/2006/main" xmlns:r="http://schemas.openxmlformats.org/officeDocument/2006/relationships" xmlns:p="http://schemas.openxmlformats.org/presentationml/2006/main" type="secHead" preserve="1">
+<p:sldLayout xmlns:a="http://schemas.openxmlformats.org/drawingml/2006/main" xmlns:r="http://schemas.openxmlformats.org/officeDocument/2006/relationships" xmlns:p="http://schemas.openxmlformats.org/presentationml/2006/main" showMasterSp="0" type="secHead" preserve="1">
   <p:cSld name="Section Header">
     <p:spTree>
       <p:nvGrpSpPr>
@@ -907,15 +1371,15 @@
         </p:nvSpPr>
         <p:spPr>
           <a:xfrm>
-            <a:off x="722313" y="4406900"/>
-            <a:ext cx="7772400" cy="1362075"/>
+            <a:off x="609600" y="4962525"/>
+            <a:ext cx="7885113" cy="1362075"/>
           </a:xfrm>
         </p:spPr>
         <p:txBody>
           <a:bodyPr anchor="t"/>
           <a:lstStyle>
             <a:lvl1pPr algn="l">
-              <a:defRPr sz="4000" b="1" cap="all"/>
+              <a:defRPr sz="3200" b="0" i="0" cap="all" baseline="0"/>
             </a:lvl1pPr>
           </a:lstStyle>
           <a:p>
@@ -923,7 +1387,7 @@
               <a:rPr lang="en-US" smtClean="0"/>
               <a:t>Click to edit Master title style</a:t>
             </a:r>
-            <a:endParaRPr lang="en-US"/>
+            <a:endParaRPr lang="en-US" dirty="0"/>
           </a:p>
         </p:txBody>
       </p:sp>
@@ -939,20 +1403,20 @@
         </p:nvSpPr>
         <p:spPr>
           <a:xfrm>
-            <a:off x="722313" y="2906713"/>
-            <a:ext cx="7772400" cy="1500187"/>
+            <a:off x="609600" y="3462338"/>
+            <a:ext cx="7885113" cy="1500187"/>
           </a:xfrm>
         </p:spPr>
         <p:txBody>
-          <a:bodyPr anchor="b"/>
+          <a:bodyPr anchor="b">
+            <a:normAutofit/>
+          </a:bodyPr>
           <a:lstStyle>
             <a:lvl1pPr marL="0" indent="0">
               <a:buNone/>
-              <a:defRPr sz="2000">
+              <a:defRPr sz="1700" baseline="0">
                 <a:solidFill>
-                  <a:schemeClr val="tx1">
-                    <a:tint val="75000"/>
-                  </a:schemeClr>
+                  <a:schemeClr val="tx2"/>
                 </a:solidFill>
               </a:defRPr>
             </a:lvl1pPr>
@@ -1063,7 +1527,7 @@
           <a:p>
             <a:fld id="{EC494DC5-3CA6-4FDC-BD75-13F2FEB8B97C}" type="datetimeFigureOut">
               <a:rPr lang="en-US" smtClean="0"/>
-              <a:t>11/25/2017</a:t>
+              <a:t>3/8/2019</a:t>
             </a:fld>
             <a:endParaRPr lang="en-US"/>
           </a:p>
@@ -1112,11 +1576,6 @@
         </p:txBody>
       </p:sp>
     </p:spTree>
-    <p:extLst>
-      <p:ext uri="{BB962C8B-B14F-4D97-AF65-F5344CB8AC3E}">
-        <p14:creationId xmlns:p14="http://schemas.microsoft.com/office/powerpoint/2010/main" val="1840613488"/>
-      </p:ext>
-    </p:extLst>
   </p:cSld>
   <p:clrMapOvr>
     <a:masterClrMapping/>
@@ -1143,6 +1602,181 @@
       </p:grpSpPr>
       <p:sp>
         <p:nvSpPr>
+          <p:cNvPr id="11" name="Content Placeholder 10"/>
+          <p:cNvSpPr>
+            <a:spLocks noGrp="1"/>
+          </p:cNvSpPr>
+          <p:nvPr>
+            <p:ph sz="quarter" idx="13"/>
+          </p:nvPr>
+        </p:nvSpPr>
+        <p:spPr>
+          <a:xfrm>
+            <a:off x="609600" y="1600200"/>
+            <a:ext cx="3733800" cy="4114800"/>
+          </a:xfrm>
+        </p:spPr>
+        <p:txBody>
+          <a:bodyPr/>
+          <a:lstStyle>
+            <a:lvl5pPr>
+              <a:defRPr/>
+            </a:lvl5pPr>
+            <a:lvl6pPr>
+              <a:buClr>
+                <a:schemeClr val="tx2"/>
+              </a:buClr>
+              <a:buFont typeface="Arial" pitchFamily="34" charset="0"/>
+              <a:buChar char="•"/>
+              <a:defRPr/>
+            </a:lvl6pPr>
+            <a:lvl7pPr>
+              <a:buClr>
+                <a:schemeClr val="tx2"/>
+              </a:buClr>
+              <a:buFont typeface="Arial" pitchFamily="34" charset="0"/>
+              <a:buChar char="•"/>
+              <a:defRPr/>
+            </a:lvl7pPr>
+            <a:lvl8pPr>
+              <a:buClr>
+                <a:schemeClr val="tx2"/>
+              </a:buClr>
+              <a:buFont typeface="Arial" pitchFamily="34" charset="0"/>
+              <a:buChar char="•"/>
+              <a:defRPr/>
+            </a:lvl8pPr>
+            <a:lvl9pPr>
+              <a:buClr>
+                <a:schemeClr val="tx2"/>
+              </a:buClr>
+              <a:buFont typeface="Arial" pitchFamily="34" charset="0"/>
+              <a:buChar char="•"/>
+              <a:defRPr/>
+            </a:lvl9pPr>
+          </a:lstStyle>
+          <a:p>
+            <a:pPr lvl="0"/>
+            <a:r>
+              <a:rPr lang="en-US" smtClean="0"/>
+              <a:t>Click to edit Master text styles</a:t>
+            </a:r>
+          </a:p>
+          <a:p>
+            <a:pPr lvl="1"/>
+            <a:r>
+              <a:rPr lang="en-US" smtClean="0"/>
+              <a:t>Second level</a:t>
+            </a:r>
+          </a:p>
+          <a:p>
+            <a:pPr lvl="2"/>
+            <a:r>
+              <a:rPr lang="en-US" smtClean="0"/>
+              <a:t>Third level</a:t>
+            </a:r>
+          </a:p>
+          <a:p>
+            <a:pPr lvl="3"/>
+            <a:r>
+              <a:rPr lang="en-US" smtClean="0"/>
+              <a:t>Fourth level</a:t>
+            </a:r>
+          </a:p>
+          <a:p>
+            <a:pPr lvl="4"/>
+            <a:r>
+              <a:rPr lang="en-US" smtClean="0"/>
+              <a:t>Fifth level</a:t>
+            </a:r>
+            <a:endParaRPr lang="en-US" dirty="0" smtClean="0"/>
+          </a:p>
+        </p:txBody>
+      </p:sp>
+      <p:sp>
+        <p:nvSpPr>
+          <p:cNvPr id="13" name="Content Placeholder 12"/>
+          <p:cNvSpPr>
+            <a:spLocks noGrp="1"/>
+          </p:cNvSpPr>
+          <p:nvPr>
+            <p:ph sz="quarter" idx="14"/>
+          </p:nvPr>
+        </p:nvSpPr>
+        <p:spPr>
+          <a:xfrm>
+            <a:off x="4800600" y="1600200"/>
+            <a:ext cx="3733800" cy="4114800"/>
+          </a:xfrm>
+        </p:spPr>
+        <p:txBody>
+          <a:bodyPr/>
+          <a:lstStyle>
+            <a:lvl6pPr>
+              <a:buClr>
+                <a:schemeClr val="tx2"/>
+              </a:buClr>
+              <a:defRPr/>
+            </a:lvl6pPr>
+            <a:lvl7pPr>
+              <a:buClr>
+                <a:schemeClr val="tx2"/>
+              </a:buClr>
+              <a:defRPr/>
+            </a:lvl7pPr>
+            <a:lvl8pPr>
+              <a:buClr>
+                <a:schemeClr val="tx2"/>
+              </a:buClr>
+              <a:defRPr/>
+            </a:lvl8pPr>
+            <a:lvl9pPr>
+              <a:buClr>
+                <a:schemeClr val="tx2"/>
+              </a:buClr>
+              <a:defRPr/>
+            </a:lvl9pPr>
+          </a:lstStyle>
+          <a:p>
+            <a:pPr lvl="0"/>
+            <a:r>
+              <a:rPr lang="en-US" smtClean="0"/>
+              <a:t>Click to edit Master text styles</a:t>
+            </a:r>
+          </a:p>
+          <a:p>
+            <a:pPr lvl="1"/>
+            <a:r>
+              <a:rPr lang="en-US" smtClean="0"/>
+              <a:t>Second level</a:t>
+            </a:r>
+          </a:p>
+          <a:p>
+            <a:pPr lvl="2"/>
+            <a:r>
+              <a:rPr lang="en-US" smtClean="0"/>
+              <a:t>Third level</a:t>
+            </a:r>
+          </a:p>
+          <a:p>
+            <a:pPr lvl="3"/>
+            <a:r>
+              <a:rPr lang="en-US" smtClean="0"/>
+              <a:t>Fourth level</a:t>
+            </a:r>
+          </a:p>
+          <a:p>
+            <a:pPr lvl="4"/>
+            <a:r>
+              <a:rPr lang="en-US" smtClean="0"/>
+              <a:t>Fifth level</a:t>
+            </a:r>
+            <a:endParaRPr lang="en-US" dirty="0" smtClean="0"/>
+          </a:p>
+        </p:txBody>
+      </p:sp>
+      <p:sp>
+        <p:nvSpPr>
           <p:cNvPr id="2" name="Title 1"/>
           <p:cNvSpPr>
             <a:spLocks noGrp="1"/>
@@ -1151,7 +1785,12 @@
             <p:ph type="title"/>
           </p:nvPr>
         </p:nvSpPr>
-        <p:spPr/>
+        <p:spPr>
+          <a:xfrm>
+            <a:off x="609600" y="274638"/>
+            <a:ext cx="7924800" cy="1143000"/>
+          </a:xfrm>
+        </p:spPr>
         <p:txBody>
           <a:bodyPr/>
           <a:lstStyle/>
@@ -1160,177 +1799,7 @@
               <a:rPr lang="en-US" smtClean="0"/>
               <a:t>Click to edit Master title style</a:t>
             </a:r>
-            <a:endParaRPr lang="en-US"/>
-          </a:p>
-        </p:txBody>
-      </p:sp>
-      <p:sp>
-        <p:nvSpPr>
-          <p:cNvPr id="3" name="Content Placeholder 2"/>
-          <p:cNvSpPr>
-            <a:spLocks noGrp="1"/>
-          </p:cNvSpPr>
-          <p:nvPr>
-            <p:ph sz="half" idx="1"/>
-          </p:nvPr>
-        </p:nvSpPr>
-        <p:spPr>
-          <a:xfrm>
-            <a:off x="457200" y="1600200"/>
-            <a:ext cx="4038600" cy="4525963"/>
-          </a:xfrm>
-        </p:spPr>
-        <p:txBody>
-          <a:bodyPr/>
-          <a:lstStyle>
-            <a:lvl1pPr>
-              <a:defRPr sz="2800"/>
-            </a:lvl1pPr>
-            <a:lvl2pPr>
-              <a:defRPr sz="2400"/>
-            </a:lvl2pPr>
-            <a:lvl3pPr>
-              <a:defRPr sz="2000"/>
-            </a:lvl3pPr>
-            <a:lvl4pPr>
-              <a:defRPr sz="1800"/>
-            </a:lvl4pPr>
-            <a:lvl5pPr>
-              <a:defRPr sz="1800"/>
-            </a:lvl5pPr>
-            <a:lvl6pPr>
-              <a:defRPr sz="1800"/>
-            </a:lvl6pPr>
-            <a:lvl7pPr>
-              <a:defRPr sz="1800"/>
-            </a:lvl7pPr>
-            <a:lvl8pPr>
-              <a:defRPr sz="1800"/>
-            </a:lvl8pPr>
-            <a:lvl9pPr>
-              <a:defRPr sz="1800"/>
-            </a:lvl9pPr>
-          </a:lstStyle>
-          <a:p>
-            <a:pPr lvl="0"/>
-            <a:r>
-              <a:rPr lang="en-US" smtClean="0"/>
-              <a:t>Click to edit Master text styles</a:t>
-            </a:r>
-          </a:p>
-          <a:p>
-            <a:pPr lvl="1"/>
-            <a:r>
-              <a:rPr lang="en-US" smtClean="0"/>
-              <a:t>Second level</a:t>
-            </a:r>
-          </a:p>
-          <a:p>
-            <a:pPr lvl="2"/>
-            <a:r>
-              <a:rPr lang="en-US" smtClean="0"/>
-              <a:t>Third level</a:t>
-            </a:r>
-          </a:p>
-          <a:p>
-            <a:pPr lvl="3"/>
-            <a:r>
-              <a:rPr lang="en-US" smtClean="0"/>
-              <a:t>Fourth level</a:t>
-            </a:r>
-          </a:p>
-          <a:p>
-            <a:pPr lvl="4"/>
-            <a:r>
-              <a:rPr lang="en-US" smtClean="0"/>
-              <a:t>Fifth level</a:t>
-            </a:r>
-            <a:endParaRPr lang="en-US"/>
-          </a:p>
-        </p:txBody>
-      </p:sp>
-      <p:sp>
-        <p:nvSpPr>
-          <p:cNvPr id="4" name="Content Placeholder 3"/>
-          <p:cNvSpPr>
-            <a:spLocks noGrp="1"/>
-          </p:cNvSpPr>
-          <p:nvPr>
-            <p:ph sz="half" idx="2"/>
-          </p:nvPr>
-        </p:nvSpPr>
-        <p:spPr>
-          <a:xfrm>
-            <a:off x="4648200" y="1600200"/>
-            <a:ext cx="4038600" cy="4525963"/>
-          </a:xfrm>
-        </p:spPr>
-        <p:txBody>
-          <a:bodyPr/>
-          <a:lstStyle>
-            <a:lvl1pPr>
-              <a:defRPr sz="2800"/>
-            </a:lvl1pPr>
-            <a:lvl2pPr>
-              <a:defRPr sz="2400"/>
-            </a:lvl2pPr>
-            <a:lvl3pPr>
-              <a:defRPr sz="2000"/>
-            </a:lvl3pPr>
-            <a:lvl4pPr>
-              <a:defRPr sz="1800"/>
-            </a:lvl4pPr>
-            <a:lvl5pPr>
-              <a:defRPr sz="1800"/>
-            </a:lvl5pPr>
-            <a:lvl6pPr>
-              <a:defRPr sz="1800"/>
-            </a:lvl6pPr>
-            <a:lvl7pPr>
-              <a:defRPr sz="1800"/>
-            </a:lvl7pPr>
-            <a:lvl8pPr>
-              <a:defRPr sz="1800"/>
-            </a:lvl8pPr>
-            <a:lvl9pPr>
-              <a:defRPr sz="1800"/>
-            </a:lvl9pPr>
-          </a:lstStyle>
-          <a:p>
-            <a:pPr lvl="0"/>
-            <a:r>
-              <a:rPr lang="en-US" smtClean="0"/>
-              <a:t>Click to edit Master text styles</a:t>
-            </a:r>
-          </a:p>
-          <a:p>
-            <a:pPr lvl="1"/>
-            <a:r>
-              <a:rPr lang="en-US" smtClean="0"/>
-              <a:t>Second level</a:t>
-            </a:r>
-          </a:p>
-          <a:p>
-            <a:pPr lvl="2"/>
-            <a:r>
-              <a:rPr lang="en-US" smtClean="0"/>
-              <a:t>Third level</a:t>
-            </a:r>
-          </a:p>
-          <a:p>
-            <a:pPr lvl="3"/>
-            <a:r>
-              <a:rPr lang="en-US" smtClean="0"/>
-              <a:t>Fourth level</a:t>
-            </a:r>
-          </a:p>
-          <a:p>
-            <a:pPr lvl="4"/>
-            <a:r>
-              <a:rPr lang="en-US" smtClean="0"/>
-              <a:t>Fifth level</a:t>
-            </a:r>
-            <a:endParaRPr lang="en-US"/>
+            <a:endParaRPr lang="en-US" dirty="0"/>
           </a:p>
         </p:txBody>
       </p:sp>
@@ -1351,7 +1820,7 @@
           <a:p>
             <a:fld id="{EC494DC5-3CA6-4FDC-BD75-13F2FEB8B97C}" type="datetimeFigureOut">
               <a:rPr lang="en-US" smtClean="0"/>
-              <a:t>11/25/2017</a:t>
+              <a:t>3/8/2019</a:t>
             </a:fld>
             <a:endParaRPr lang="en-US"/>
           </a:p>
@@ -1400,11 +1869,6 @@
         </p:txBody>
       </p:sp>
     </p:spTree>
-    <p:extLst>
-      <p:ext uri="{BB962C8B-B14F-4D97-AF65-F5344CB8AC3E}">
-        <p14:creationId xmlns:p14="http://schemas.microsoft.com/office/powerpoint/2010/main" val="1314520361"/>
-      </p:ext>
-    </p:extLst>
   </p:cSld>
   <p:clrMapOvr>
     <a:masterClrMapping/>
@@ -1431,6 +1895,170 @@
       </p:grpSpPr>
       <p:sp>
         <p:nvSpPr>
+          <p:cNvPr id="13" name="Content Placeholder 12"/>
+          <p:cNvSpPr>
+            <a:spLocks noGrp="1"/>
+          </p:cNvSpPr>
+          <p:nvPr>
+            <p:ph sz="quarter" idx="14"/>
+          </p:nvPr>
+        </p:nvSpPr>
+        <p:spPr>
+          <a:xfrm>
+            <a:off x="4800600" y="2209800"/>
+            <a:ext cx="3733800" cy="3505200"/>
+          </a:xfrm>
+        </p:spPr>
+        <p:txBody>
+          <a:bodyPr/>
+          <a:lstStyle>
+            <a:lvl6pPr>
+              <a:buClr>
+                <a:schemeClr val="tx2"/>
+              </a:buClr>
+              <a:defRPr/>
+            </a:lvl6pPr>
+            <a:lvl7pPr>
+              <a:buClr>
+                <a:schemeClr val="tx2"/>
+              </a:buClr>
+              <a:defRPr/>
+            </a:lvl7pPr>
+            <a:lvl8pPr>
+              <a:buClr>
+                <a:schemeClr val="tx2"/>
+              </a:buClr>
+              <a:defRPr/>
+            </a:lvl8pPr>
+            <a:lvl9pPr>
+              <a:buClr>
+                <a:schemeClr val="tx2"/>
+              </a:buClr>
+              <a:defRPr/>
+            </a:lvl9pPr>
+          </a:lstStyle>
+          <a:p>
+            <a:pPr lvl="0"/>
+            <a:r>
+              <a:rPr lang="en-US" smtClean="0"/>
+              <a:t>Click to edit Master text styles</a:t>
+            </a:r>
+          </a:p>
+          <a:p>
+            <a:pPr lvl="1"/>
+            <a:r>
+              <a:rPr lang="en-US" smtClean="0"/>
+              <a:t>Second level</a:t>
+            </a:r>
+          </a:p>
+          <a:p>
+            <a:pPr lvl="2"/>
+            <a:r>
+              <a:rPr lang="en-US" smtClean="0"/>
+              <a:t>Third level</a:t>
+            </a:r>
+          </a:p>
+          <a:p>
+            <a:pPr lvl="3"/>
+            <a:r>
+              <a:rPr lang="en-US" smtClean="0"/>
+              <a:t>Fourth level</a:t>
+            </a:r>
+          </a:p>
+          <a:p>
+            <a:pPr lvl="4"/>
+            <a:r>
+              <a:rPr lang="en-US" smtClean="0"/>
+              <a:t>Fifth level</a:t>
+            </a:r>
+            <a:endParaRPr lang="en-US" dirty="0" smtClean="0"/>
+          </a:p>
+        </p:txBody>
+      </p:sp>
+      <p:sp>
+        <p:nvSpPr>
+          <p:cNvPr id="11" name="Content Placeholder 10"/>
+          <p:cNvSpPr>
+            <a:spLocks noGrp="1"/>
+          </p:cNvSpPr>
+          <p:nvPr>
+            <p:ph sz="quarter" idx="13"/>
+          </p:nvPr>
+        </p:nvSpPr>
+        <p:spPr>
+          <a:xfrm>
+            <a:off x="609600" y="2209800"/>
+            <a:ext cx="3733800" cy="3505200"/>
+          </a:xfrm>
+        </p:spPr>
+        <p:txBody>
+          <a:bodyPr/>
+          <a:lstStyle>
+            <a:lvl6pPr>
+              <a:buClr>
+                <a:schemeClr val="tx2"/>
+              </a:buClr>
+              <a:defRPr/>
+            </a:lvl6pPr>
+            <a:lvl7pPr>
+              <a:buClr>
+                <a:schemeClr val="tx2"/>
+              </a:buClr>
+              <a:defRPr/>
+            </a:lvl7pPr>
+            <a:lvl8pPr>
+              <a:buClr>
+                <a:schemeClr val="tx2"/>
+              </a:buClr>
+              <a:defRPr/>
+            </a:lvl8pPr>
+            <a:lvl9pPr>
+              <a:buClr>
+                <a:schemeClr val="tx2"/>
+              </a:buClr>
+              <a:defRPr/>
+            </a:lvl9pPr>
+          </a:lstStyle>
+          <a:p>
+            <a:pPr lvl="0"/>
+            <a:r>
+              <a:rPr lang="en-US" smtClean="0"/>
+              <a:t>Click to edit Master text styles</a:t>
+            </a:r>
+          </a:p>
+          <a:p>
+            <a:pPr lvl="1"/>
+            <a:r>
+              <a:rPr lang="en-US" smtClean="0"/>
+              <a:t>Second level</a:t>
+            </a:r>
+          </a:p>
+          <a:p>
+            <a:pPr lvl="2"/>
+            <a:r>
+              <a:rPr lang="en-US" smtClean="0"/>
+              <a:t>Third level</a:t>
+            </a:r>
+          </a:p>
+          <a:p>
+            <a:pPr lvl="3"/>
+            <a:r>
+              <a:rPr lang="en-US" smtClean="0"/>
+              <a:t>Fourth level</a:t>
+            </a:r>
+          </a:p>
+          <a:p>
+            <a:pPr lvl="4"/>
+            <a:r>
+              <a:rPr lang="en-US" smtClean="0"/>
+              <a:t>Fifth level</a:t>
+            </a:r>
+            <a:endParaRPr lang="en-US" dirty="0" smtClean="0"/>
+          </a:p>
+        </p:txBody>
+      </p:sp>
+      <p:sp>
+        <p:nvSpPr>
           <p:cNvPr id="2" name="Title 1"/>
           <p:cNvSpPr>
             <a:spLocks noGrp="1"/>
@@ -1439,7 +2067,12 @@
             <p:ph type="title"/>
           </p:nvPr>
         </p:nvSpPr>
-        <p:spPr/>
+        <p:spPr>
+          <a:xfrm>
+            <a:off x="609600" y="274638"/>
+            <a:ext cx="7924800" cy="1143000"/>
+          </a:xfrm>
+        </p:spPr>
         <p:txBody>
           <a:bodyPr/>
           <a:lstStyle>
@@ -1452,7 +2085,7 @@
               <a:rPr lang="en-US" smtClean="0"/>
               <a:t>Click to edit Master title style</a:t>
             </a:r>
-            <a:endParaRPr lang="en-US"/>
+            <a:endParaRPr lang="en-US" dirty="0"/>
           </a:p>
         </p:txBody>
       </p:sp>
@@ -1468,16 +2101,22 @@
         </p:nvSpPr>
         <p:spPr>
           <a:xfrm>
-            <a:off x="457200" y="1535113"/>
-            <a:ext cx="4040188" cy="639762"/>
+            <a:off x="609600" y="1600199"/>
+            <a:ext cx="3733800" cy="574675"/>
           </a:xfrm>
         </p:spPr>
         <p:txBody>
-          <a:bodyPr anchor="b"/>
+          <a:bodyPr anchor="b">
+            <a:normAutofit/>
+          </a:bodyPr>
           <a:lstStyle>
             <a:lvl1pPr marL="0" indent="0">
               <a:buNone/>
-              <a:defRPr sz="2400" b="1"/>
+              <a:defRPr sz="1700" b="0" i="0" baseline="0">
+                <a:solidFill>
+                  <a:schemeClr val="tx2"/>
+                </a:solidFill>
+              </a:defRPr>
             </a:lvl1pPr>
             <a:lvl2pPr marL="457200" indent="0">
               <a:buNone/>
@@ -1523,111 +2162,32 @@
       </p:sp>
       <p:sp>
         <p:nvSpPr>
-          <p:cNvPr id="4" name="Content Placeholder 3"/>
-          <p:cNvSpPr>
-            <a:spLocks noGrp="1"/>
-          </p:cNvSpPr>
-          <p:nvPr>
-            <p:ph sz="half" idx="2"/>
+          <p:cNvPr id="5" name="Text Placeholder 4"/>
+          <p:cNvSpPr>
+            <a:spLocks noGrp="1"/>
+          </p:cNvSpPr>
+          <p:nvPr>
+            <p:ph type="body" sz="quarter" idx="3"/>
           </p:nvPr>
         </p:nvSpPr>
         <p:spPr>
           <a:xfrm>
-            <a:off x="457200" y="2174875"/>
-            <a:ext cx="4040188" cy="3951288"/>
+            <a:off x="4800600" y="1600199"/>
+            <a:ext cx="3733800" cy="574675"/>
           </a:xfrm>
         </p:spPr>
         <p:txBody>
-          <a:bodyPr/>
-          <a:lstStyle>
-            <a:lvl1pPr>
-              <a:defRPr sz="2400"/>
-            </a:lvl1pPr>
-            <a:lvl2pPr>
-              <a:defRPr sz="2000"/>
-            </a:lvl2pPr>
-            <a:lvl3pPr>
-              <a:defRPr sz="1800"/>
-            </a:lvl3pPr>
-            <a:lvl4pPr>
-              <a:defRPr sz="1600"/>
-            </a:lvl4pPr>
-            <a:lvl5pPr>
-              <a:defRPr sz="1600"/>
-            </a:lvl5pPr>
-            <a:lvl6pPr>
-              <a:defRPr sz="1600"/>
-            </a:lvl6pPr>
-            <a:lvl7pPr>
-              <a:defRPr sz="1600"/>
-            </a:lvl7pPr>
-            <a:lvl8pPr>
-              <a:defRPr sz="1600"/>
-            </a:lvl8pPr>
-            <a:lvl9pPr>
-              <a:defRPr sz="1600"/>
-            </a:lvl9pPr>
-          </a:lstStyle>
-          <a:p>
-            <a:pPr lvl="0"/>
-            <a:r>
-              <a:rPr lang="en-US" smtClean="0"/>
-              <a:t>Click to edit Master text styles</a:t>
-            </a:r>
-          </a:p>
-          <a:p>
-            <a:pPr lvl="1"/>
-            <a:r>
-              <a:rPr lang="en-US" smtClean="0"/>
-              <a:t>Second level</a:t>
-            </a:r>
-          </a:p>
-          <a:p>
-            <a:pPr lvl="2"/>
-            <a:r>
-              <a:rPr lang="en-US" smtClean="0"/>
-              <a:t>Third level</a:t>
-            </a:r>
-          </a:p>
-          <a:p>
-            <a:pPr lvl="3"/>
-            <a:r>
-              <a:rPr lang="en-US" smtClean="0"/>
-              <a:t>Fourth level</a:t>
-            </a:r>
-          </a:p>
-          <a:p>
-            <a:pPr lvl="4"/>
-            <a:r>
-              <a:rPr lang="en-US" smtClean="0"/>
-              <a:t>Fifth level</a:t>
-            </a:r>
-            <a:endParaRPr lang="en-US"/>
-          </a:p>
-        </p:txBody>
-      </p:sp>
-      <p:sp>
-        <p:nvSpPr>
-          <p:cNvPr id="5" name="Text Placeholder 4"/>
-          <p:cNvSpPr>
-            <a:spLocks noGrp="1"/>
-          </p:cNvSpPr>
-          <p:nvPr>
-            <p:ph type="body" sz="quarter" idx="3"/>
-          </p:nvPr>
-        </p:nvSpPr>
-        <p:spPr>
-          <a:xfrm>
-            <a:off x="4645025" y="1535113"/>
-            <a:ext cx="4041775" cy="639762"/>
-          </a:xfrm>
-        </p:spPr>
-        <p:txBody>
-          <a:bodyPr anchor="b"/>
+          <a:bodyPr anchor="b">
+            <a:normAutofit/>
+          </a:bodyPr>
           <a:lstStyle>
             <a:lvl1pPr marL="0" indent="0">
               <a:buNone/>
-              <a:defRPr sz="2400" b="1"/>
+              <a:defRPr sz="1700" b="0" i="0" baseline="0">
+                <a:solidFill>
+                  <a:schemeClr val="tx2"/>
+                </a:solidFill>
+              </a:defRPr>
             </a:lvl1pPr>
             <a:lvl2pPr marL="457200" indent="0">
               <a:buNone/>
@@ -1673,91 +2233,6 @@
       </p:sp>
       <p:sp>
         <p:nvSpPr>
-          <p:cNvPr id="6" name="Content Placeholder 5"/>
-          <p:cNvSpPr>
-            <a:spLocks noGrp="1"/>
-          </p:cNvSpPr>
-          <p:nvPr>
-            <p:ph sz="quarter" idx="4"/>
-          </p:nvPr>
-        </p:nvSpPr>
-        <p:spPr>
-          <a:xfrm>
-            <a:off x="4645025" y="2174875"/>
-            <a:ext cx="4041775" cy="3951288"/>
-          </a:xfrm>
-        </p:spPr>
-        <p:txBody>
-          <a:bodyPr/>
-          <a:lstStyle>
-            <a:lvl1pPr>
-              <a:defRPr sz="2400"/>
-            </a:lvl1pPr>
-            <a:lvl2pPr>
-              <a:defRPr sz="2000"/>
-            </a:lvl2pPr>
-            <a:lvl3pPr>
-              <a:defRPr sz="1800"/>
-            </a:lvl3pPr>
-            <a:lvl4pPr>
-              <a:defRPr sz="1600"/>
-            </a:lvl4pPr>
-            <a:lvl5pPr>
-              <a:defRPr sz="1600"/>
-            </a:lvl5pPr>
-            <a:lvl6pPr>
-              <a:defRPr sz="1600"/>
-            </a:lvl6pPr>
-            <a:lvl7pPr>
-              <a:defRPr sz="1600"/>
-            </a:lvl7pPr>
-            <a:lvl8pPr>
-              <a:defRPr sz="1600"/>
-            </a:lvl8pPr>
-            <a:lvl9pPr>
-              <a:defRPr sz="1600"/>
-            </a:lvl9pPr>
-          </a:lstStyle>
-          <a:p>
-            <a:pPr lvl="0"/>
-            <a:r>
-              <a:rPr lang="en-US" smtClean="0"/>
-              <a:t>Click to edit Master text styles</a:t>
-            </a:r>
-          </a:p>
-          <a:p>
-            <a:pPr lvl="1"/>
-            <a:r>
-              <a:rPr lang="en-US" smtClean="0"/>
-              <a:t>Second level</a:t>
-            </a:r>
-          </a:p>
-          <a:p>
-            <a:pPr lvl="2"/>
-            <a:r>
-              <a:rPr lang="en-US" smtClean="0"/>
-              <a:t>Third level</a:t>
-            </a:r>
-          </a:p>
-          <a:p>
-            <a:pPr lvl="3"/>
-            <a:r>
-              <a:rPr lang="en-US" smtClean="0"/>
-              <a:t>Fourth level</a:t>
-            </a:r>
-          </a:p>
-          <a:p>
-            <a:pPr lvl="4"/>
-            <a:r>
-              <a:rPr lang="en-US" smtClean="0"/>
-              <a:t>Fifth level</a:t>
-            </a:r>
-            <a:endParaRPr lang="en-US"/>
-          </a:p>
-        </p:txBody>
-      </p:sp>
-      <p:sp>
-        <p:nvSpPr>
           <p:cNvPr id="7" name="Date Placeholder 6"/>
           <p:cNvSpPr>
             <a:spLocks noGrp="1"/>
@@ -1773,7 +2248,7 @@
           <a:p>
             <a:fld id="{EC494DC5-3CA6-4FDC-BD75-13F2FEB8B97C}" type="datetimeFigureOut">
               <a:rPr lang="en-US" smtClean="0"/>
-              <a:t>11/25/2017</a:t>
+              <a:t>3/8/2019</a:t>
             </a:fld>
             <a:endParaRPr lang="en-US"/>
           </a:p>
@@ -1822,11 +2297,6 @@
         </p:txBody>
       </p:sp>
     </p:spTree>
-    <p:extLst>
-      <p:ext uri="{BB962C8B-B14F-4D97-AF65-F5344CB8AC3E}">
-        <p14:creationId xmlns:p14="http://schemas.microsoft.com/office/powerpoint/2010/main" val="1465934713"/>
-      </p:ext>
-    </p:extLst>
   </p:cSld>
   <p:clrMapOvr>
     <a:masterClrMapping/>
@@ -1861,7 +2331,12 @@
             <p:ph type="title"/>
           </p:nvPr>
         </p:nvSpPr>
-        <p:spPr/>
+        <p:spPr>
+          <a:xfrm>
+            <a:off x="609600" y="274638"/>
+            <a:ext cx="7924800" cy="1143000"/>
+          </a:xfrm>
+        </p:spPr>
         <p:txBody>
           <a:bodyPr/>
           <a:lstStyle/>
@@ -1870,7 +2345,7 @@
               <a:rPr lang="en-US" smtClean="0"/>
               <a:t>Click to edit Master title style</a:t>
             </a:r>
-            <a:endParaRPr lang="en-US"/>
+            <a:endParaRPr lang="en-US" dirty="0"/>
           </a:p>
         </p:txBody>
       </p:sp>
@@ -1891,7 +2366,7 @@
           <a:p>
             <a:fld id="{EC494DC5-3CA6-4FDC-BD75-13F2FEB8B97C}" type="datetimeFigureOut">
               <a:rPr lang="en-US" smtClean="0"/>
-              <a:t>11/25/2017</a:t>
+              <a:t>3/8/2019</a:t>
             </a:fld>
             <a:endParaRPr lang="en-US"/>
           </a:p>
@@ -1940,11 +2415,6 @@
         </p:txBody>
       </p:sp>
     </p:spTree>
-    <p:extLst>
-      <p:ext uri="{BB962C8B-B14F-4D97-AF65-F5344CB8AC3E}">
-        <p14:creationId xmlns:p14="http://schemas.microsoft.com/office/powerpoint/2010/main" val="3375214719"/>
-      </p:ext>
-    </p:extLst>
   </p:cSld>
   <p:clrMapOvr>
     <a:masterClrMapping/>
@@ -1986,7 +2456,7 @@
           <a:p>
             <a:fld id="{EC494DC5-3CA6-4FDC-BD75-13F2FEB8B97C}" type="datetimeFigureOut">
               <a:rPr lang="en-US" smtClean="0"/>
-              <a:t>11/25/2017</a:t>
+              <a:t>3/8/2019</a:t>
             </a:fld>
             <a:endParaRPr lang="en-US"/>
           </a:p>
@@ -2035,11 +2505,6 @@
         </p:txBody>
       </p:sp>
     </p:spTree>
-    <p:extLst>
-      <p:ext uri="{BB962C8B-B14F-4D97-AF65-F5344CB8AC3E}">
-        <p14:creationId xmlns:p14="http://schemas.microsoft.com/office/powerpoint/2010/main" val="3917204529"/>
-      </p:ext>
-    </p:extLst>
   </p:cSld>
   <p:clrMapOvr>
     <a:masterClrMapping/>
@@ -2066,25 +2531,86 @@
       </p:grpSpPr>
       <p:sp>
         <p:nvSpPr>
-          <p:cNvPr id="2" name="Title 1"/>
-          <p:cNvSpPr>
-            <a:spLocks noGrp="1"/>
-          </p:cNvSpPr>
-          <p:nvPr>
-            <p:ph type="title"/>
+          <p:cNvPr id="9" name="Content Placeholder 8"/>
+          <p:cNvSpPr>
+            <a:spLocks noGrp="1"/>
+          </p:cNvSpPr>
+          <p:nvPr>
+            <p:ph sz="quarter" idx="13"/>
           </p:nvPr>
         </p:nvSpPr>
         <p:spPr>
           <a:xfrm>
-            <a:off x="457200" y="273050"/>
-            <a:ext cx="3008313" cy="1162050"/>
+            <a:off x="3962400" y="1447800"/>
+            <a:ext cx="4648200" cy="4267200"/>
+          </a:xfrm>
+        </p:spPr>
+        <p:txBody>
+          <a:bodyPr/>
+          <a:lstStyle/>
+          <a:p>
+            <a:pPr lvl="0"/>
+            <a:r>
+              <a:rPr lang="en-US" smtClean="0"/>
+              <a:t>Click to edit Master text styles</a:t>
+            </a:r>
+          </a:p>
+          <a:p>
+            <a:pPr lvl="1"/>
+            <a:r>
+              <a:rPr lang="en-US" smtClean="0"/>
+              <a:t>Second level</a:t>
+            </a:r>
+          </a:p>
+          <a:p>
+            <a:pPr lvl="2"/>
+            <a:r>
+              <a:rPr lang="en-US" smtClean="0"/>
+              <a:t>Third level</a:t>
+            </a:r>
+          </a:p>
+          <a:p>
+            <a:pPr lvl="3"/>
+            <a:r>
+              <a:rPr lang="en-US" smtClean="0"/>
+              <a:t>Fourth level</a:t>
+            </a:r>
+          </a:p>
+          <a:p>
+            <a:pPr lvl="4"/>
+            <a:r>
+              <a:rPr lang="en-US" smtClean="0"/>
+              <a:t>Fifth level</a:t>
+            </a:r>
+            <a:endParaRPr lang="en-US" dirty="0"/>
+          </a:p>
+        </p:txBody>
+      </p:sp>
+      <p:sp>
+        <p:nvSpPr>
+          <p:cNvPr id="2" name="Title 1"/>
+          <p:cNvSpPr>
+            <a:spLocks noGrp="1"/>
+          </p:cNvSpPr>
+          <p:nvPr>
+            <p:ph type="title"/>
+          </p:nvPr>
+        </p:nvSpPr>
+        <p:spPr>
+          <a:xfrm>
+            <a:off x="612648" y="1447800"/>
+            <a:ext cx="2971800" cy="1097280"/>
           </a:xfrm>
         </p:spPr>
         <p:txBody>
           <a:bodyPr anchor="b"/>
           <a:lstStyle>
             <a:lvl1pPr algn="l">
-              <a:defRPr sz="2000" b="1"/>
+              <a:defRPr sz="1800" b="0" i="0" cap="none" baseline="0">
+                <a:solidFill>
+                  <a:schemeClr val="tx2"/>
+                </a:solidFill>
+              </a:defRPr>
             </a:lvl1pPr>
           </a:lstStyle>
           <a:p>
@@ -2092,113 +2618,30 @@
               <a:rPr lang="en-US" smtClean="0"/>
               <a:t>Click to edit Master title style</a:t>
             </a:r>
-            <a:endParaRPr lang="en-US"/>
-          </a:p>
-        </p:txBody>
-      </p:sp>
-      <p:sp>
-        <p:nvSpPr>
-          <p:cNvPr id="3" name="Content Placeholder 2"/>
-          <p:cNvSpPr>
-            <a:spLocks noGrp="1"/>
-          </p:cNvSpPr>
-          <p:nvPr>
-            <p:ph idx="1"/>
+            <a:endParaRPr lang="en-US" dirty="0"/>
+          </a:p>
+        </p:txBody>
+      </p:sp>
+      <p:sp>
+        <p:nvSpPr>
+          <p:cNvPr id="4" name="Text Placeholder 3"/>
+          <p:cNvSpPr>
+            <a:spLocks noGrp="1"/>
+          </p:cNvSpPr>
+          <p:nvPr>
+            <p:ph type="body" sz="half" idx="2"/>
           </p:nvPr>
         </p:nvSpPr>
         <p:spPr>
           <a:xfrm>
-            <a:off x="3575050" y="273050"/>
-            <a:ext cx="5111750" cy="5853113"/>
+            <a:off x="612648" y="2547891"/>
+            <a:ext cx="2971800" cy="3167109"/>
           </a:xfrm>
         </p:spPr>
         <p:txBody>
-          <a:bodyPr/>
-          <a:lstStyle>
-            <a:lvl1pPr>
-              <a:defRPr sz="3200"/>
-            </a:lvl1pPr>
-            <a:lvl2pPr>
-              <a:defRPr sz="2800"/>
-            </a:lvl2pPr>
-            <a:lvl3pPr>
-              <a:defRPr sz="2400"/>
-            </a:lvl3pPr>
-            <a:lvl4pPr>
-              <a:defRPr sz="2000"/>
-            </a:lvl4pPr>
-            <a:lvl5pPr>
-              <a:defRPr sz="2000"/>
-            </a:lvl5pPr>
-            <a:lvl6pPr>
-              <a:defRPr sz="2000"/>
-            </a:lvl6pPr>
-            <a:lvl7pPr>
-              <a:defRPr sz="2000"/>
-            </a:lvl7pPr>
-            <a:lvl8pPr>
-              <a:defRPr sz="2000"/>
-            </a:lvl8pPr>
-            <a:lvl9pPr>
-              <a:defRPr sz="2000"/>
-            </a:lvl9pPr>
-          </a:lstStyle>
-          <a:p>
-            <a:pPr lvl="0"/>
-            <a:r>
-              <a:rPr lang="en-US" smtClean="0"/>
-              <a:t>Click to edit Master text styles</a:t>
-            </a:r>
-          </a:p>
-          <a:p>
-            <a:pPr lvl="1"/>
-            <a:r>
-              <a:rPr lang="en-US" smtClean="0"/>
-              <a:t>Second level</a:t>
-            </a:r>
-          </a:p>
-          <a:p>
-            <a:pPr lvl="2"/>
-            <a:r>
-              <a:rPr lang="en-US" smtClean="0"/>
-              <a:t>Third level</a:t>
-            </a:r>
-          </a:p>
-          <a:p>
-            <a:pPr lvl="3"/>
-            <a:r>
-              <a:rPr lang="en-US" smtClean="0"/>
-              <a:t>Fourth level</a:t>
-            </a:r>
-          </a:p>
-          <a:p>
-            <a:pPr lvl="4"/>
-            <a:r>
-              <a:rPr lang="en-US" smtClean="0"/>
-              <a:t>Fifth level</a:t>
-            </a:r>
-            <a:endParaRPr lang="en-US"/>
-          </a:p>
-        </p:txBody>
-      </p:sp>
-      <p:sp>
-        <p:nvSpPr>
-          <p:cNvPr id="4" name="Text Placeholder 3"/>
-          <p:cNvSpPr>
-            <a:spLocks noGrp="1"/>
-          </p:cNvSpPr>
-          <p:nvPr>
-            <p:ph type="body" sz="half" idx="2"/>
-          </p:nvPr>
-        </p:nvSpPr>
-        <p:spPr>
-          <a:xfrm>
-            <a:off x="457200" y="1435100"/>
-            <a:ext cx="3008313" cy="4691063"/>
-          </a:xfrm>
-        </p:spPr>
-        <p:txBody>
-          <a:bodyPr/>
+          <a:bodyPr tIns="9144">
+            <a:normAutofit/>
+          </a:bodyPr>
           <a:lstStyle>
             <a:lvl1pPr marL="0" indent="0">
               <a:buNone/>
@@ -2263,7 +2706,7 @@
           <a:p>
             <a:fld id="{EC494DC5-3CA6-4FDC-BD75-13F2FEB8B97C}" type="datetimeFigureOut">
               <a:rPr lang="en-US" smtClean="0"/>
-              <a:t>11/25/2017</a:t>
+              <a:t>3/8/2019</a:t>
             </a:fld>
             <a:endParaRPr lang="en-US"/>
           </a:p>
@@ -2312,11 +2755,6 @@
         </p:txBody>
       </p:sp>
     </p:spTree>
-    <p:extLst>
-      <p:ext uri="{BB962C8B-B14F-4D97-AF65-F5344CB8AC3E}">
-        <p14:creationId xmlns:p14="http://schemas.microsoft.com/office/powerpoint/2010/main" val="4131432909"/>
-      </p:ext>
-    </p:extLst>
   </p:cSld>
   <p:clrMapOvr>
     <a:masterClrMapping/>
@@ -2325,7 +2763,7 @@
 </file>
 
 <file path=ppt/slideLayouts/slideLayout9.xml><?xml version="1.0" encoding="utf-8"?>
-<p:sldLayout xmlns:a="http://schemas.openxmlformats.org/drawingml/2006/main" xmlns:r="http://schemas.openxmlformats.org/officeDocument/2006/relationships" xmlns:p="http://schemas.openxmlformats.org/presentationml/2006/main" type="picTx" preserve="1">
+<p:sldLayout xmlns:a="http://schemas.openxmlformats.org/drawingml/2006/main" xmlns:r="http://schemas.openxmlformats.org/officeDocument/2006/relationships" xmlns:p="http://schemas.openxmlformats.org/presentationml/2006/main" showMasterSp="0" type="picTx" preserve="1">
   <p:cSld name="Picture with Caption">
     <p:spTree>
       <p:nvGrpSpPr>
@@ -2341,27 +2779,55 @@
           <a:chExt cx="0" cy="0"/>
         </a:xfrm>
       </p:grpSpPr>
-      <p:sp>
-        <p:nvSpPr>
-          <p:cNvPr id="2" name="Title 1"/>
-          <p:cNvSpPr>
-            <a:spLocks noGrp="1"/>
-          </p:cNvSpPr>
-          <p:nvPr>
-            <p:ph type="title"/>
-          </p:nvPr>
-        </p:nvSpPr>
+      <p:pic>
+        <p:nvPicPr>
+          <p:cNvPr id="11" name="Picture 10" descr="horizon.png"/>
+          <p:cNvPicPr>
+            <a:picLocks noChangeAspect="1"/>
+          </p:cNvPicPr>
+          <p:nvPr/>
+        </p:nvPicPr>
+        <p:blipFill>
+          <a:blip r:embed="rId2" cstate="print"/>
+          <a:stretch>
+            <a:fillRect/>
+          </a:stretch>
+        </p:blipFill>
         <p:spPr>
           <a:xfrm>
-            <a:off x="1792288" y="4800600"/>
-            <a:ext cx="5486400" cy="566738"/>
+            <a:off x="0" y="0"/>
+            <a:ext cx="9144000" cy="6858000"/>
+          </a:xfrm>
+          <a:prstGeom prst="rect">
+            <a:avLst/>
+          </a:prstGeom>
+        </p:spPr>
+      </p:pic>
+      <p:sp>
+        <p:nvSpPr>
+          <p:cNvPr id="2" name="Title 1"/>
+          <p:cNvSpPr>
+            <a:spLocks noGrp="1"/>
+          </p:cNvSpPr>
+          <p:nvPr>
+            <p:ph type="title"/>
+          </p:nvPr>
+        </p:nvSpPr>
+        <p:spPr>
+          <a:xfrm>
+            <a:off x="609600" y="1447800"/>
+            <a:ext cx="2971800" cy="1097280"/>
           </a:xfrm>
         </p:spPr>
         <p:txBody>
           <a:bodyPr anchor="b"/>
           <a:lstStyle>
             <a:lvl1pPr algn="l">
-              <a:defRPr sz="2000" b="1"/>
+              <a:defRPr sz="1800" b="0" i="0" cap="none" baseline="0">
+                <a:solidFill>
+                  <a:schemeClr val="tx2"/>
+                </a:solidFill>
+              </a:defRPr>
             </a:lvl1pPr>
           </a:lstStyle>
           <a:p>
@@ -2369,7 +2835,7 @@
               <a:rPr lang="en-US" smtClean="0"/>
               <a:t>Click to edit Master title style</a:t>
             </a:r>
-            <a:endParaRPr lang="en-US"/>
+            <a:endParaRPr lang="en-US" dirty="0"/>
           </a:p>
         </p:txBody>
       </p:sp>
@@ -2385,16 +2851,250 @@
         </p:nvSpPr>
         <p:spPr>
           <a:xfrm>
-            <a:off x="1792288" y="612775"/>
-            <a:ext cx="5486400" cy="4114800"/>
+            <a:off x="4657344" y="1447800"/>
+            <a:ext cx="3419856" cy="3474720"/>
           </a:xfrm>
+          <a:custGeom>
+            <a:avLst/>
+            <a:gdLst>
+              <a:gd name="connsiteX0" fmla="*/ 0 w 3419856"/>
+              <a:gd name="connsiteY0" fmla="*/ 74450 h 3429000"/>
+              <a:gd name="connsiteX1" fmla="*/ 21806 w 3419856"/>
+              <a:gd name="connsiteY1" fmla="*/ 21806 h 3429000"/>
+              <a:gd name="connsiteX2" fmla="*/ 74450 w 3419856"/>
+              <a:gd name="connsiteY2" fmla="*/ 0 h 3429000"/>
+              <a:gd name="connsiteX3" fmla="*/ 3345406 w 3419856"/>
+              <a:gd name="connsiteY3" fmla="*/ 0 h 3429000"/>
+              <a:gd name="connsiteX4" fmla="*/ 3398050 w 3419856"/>
+              <a:gd name="connsiteY4" fmla="*/ 21806 h 3429000"/>
+              <a:gd name="connsiteX5" fmla="*/ 3419856 w 3419856"/>
+              <a:gd name="connsiteY5" fmla="*/ 74450 h 3429000"/>
+              <a:gd name="connsiteX6" fmla="*/ 3419856 w 3419856"/>
+              <a:gd name="connsiteY6" fmla="*/ 3354550 h 3429000"/>
+              <a:gd name="connsiteX7" fmla="*/ 3398050 w 3419856"/>
+              <a:gd name="connsiteY7" fmla="*/ 3407194 h 3429000"/>
+              <a:gd name="connsiteX8" fmla="*/ 3345406 w 3419856"/>
+              <a:gd name="connsiteY8" fmla="*/ 3429000 h 3429000"/>
+              <a:gd name="connsiteX9" fmla="*/ 74450 w 3419856"/>
+              <a:gd name="connsiteY9" fmla="*/ 3429000 h 3429000"/>
+              <a:gd name="connsiteX10" fmla="*/ 21806 w 3419856"/>
+              <a:gd name="connsiteY10" fmla="*/ 3407194 h 3429000"/>
+              <a:gd name="connsiteX11" fmla="*/ 0 w 3419856"/>
+              <a:gd name="connsiteY11" fmla="*/ 3354550 h 3429000"/>
+              <a:gd name="connsiteX12" fmla="*/ 0 w 3419856"/>
+              <a:gd name="connsiteY12" fmla="*/ 74450 h 3429000"/>
+              <a:gd name="connsiteX0" fmla="*/ 0 w 3419856"/>
+              <a:gd name="connsiteY0" fmla="*/ 74450 h 3429000"/>
+              <a:gd name="connsiteX1" fmla="*/ 21806 w 3419856"/>
+              <a:gd name="connsiteY1" fmla="*/ 21806 h 3429000"/>
+              <a:gd name="connsiteX2" fmla="*/ 74450 w 3419856"/>
+              <a:gd name="connsiteY2" fmla="*/ 0 h 3429000"/>
+              <a:gd name="connsiteX3" fmla="*/ 3345406 w 3419856"/>
+              <a:gd name="connsiteY3" fmla="*/ 0 h 3429000"/>
+              <a:gd name="connsiteX4" fmla="*/ 3398050 w 3419856"/>
+              <a:gd name="connsiteY4" fmla="*/ 21806 h 3429000"/>
+              <a:gd name="connsiteX5" fmla="*/ 3419856 w 3419856"/>
+              <a:gd name="connsiteY5" fmla="*/ 74450 h 3429000"/>
+              <a:gd name="connsiteX6" fmla="*/ 3419856 w 3419856"/>
+              <a:gd name="connsiteY6" fmla="*/ 3354550 h 3429000"/>
+              <a:gd name="connsiteX7" fmla="*/ 3398050 w 3419856"/>
+              <a:gd name="connsiteY7" fmla="*/ 3407194 h 3429000"/>
+              <a:gd name="connsiteX8" fmla="*/ 3345406 w 3419856"/>
+              <a:gd name="connsiteY8" fmla="*/ 3429000 h 3429000"/>
+              <a:gd name="connsiteX9" fmla="*/ 21806 w 3419856"/>
+              <a:gd name="connsiteY9" fmla="*/ 3407194 h 3429000"/>
+              <a:gd name="connsiteX10" fmla="*/ 0 w 3419856"/>
+              <a:gd name="connsiteY10" fmla="*/ 3354550 h 3429000"/>
+              <a:gd name="connsiteX11" fmla="*/ 0 w 3419856"/>
+              <a:gd name="connsiteY11" fmla="*/ 74450 h 3429000"/>
+              <a:gd name="connsiteX0" fmla="*/ 0 w 3964392"/>
+              <a:gd name="connsiteY0" fmla="*/ 74450 h 3415968"/>
+              <a:gd name="connsiteX1" fmla="*/ 21806 w 3964392"/>
+              <a:gd name="connsiteY1" fmla="*/ 21806 h 3415968"/>
+              <a:gd name="connsiteX2" fmla="*/ 74450 w 3964392"/>
+              <a:gd name="connsiteY2" fmla="*/ 0 h 3415968"/>
+              <a:gd name="connsiteX3" fmla="*/ 3345406 w 3964392"/>
+              <a:gd name="connsiteY3" fmla="*/ 0 h 3415968"/>
+              <a:gd name="connsiteX4" fmla="*/ 3398050 w 3964392"/>
+              <a:gd name="connsiteY4" fmla="*/ 21806 h 3415968"/>
+              <a:gd name="connsiteX5" fmla="*/ 3419856 w 3964392"/>
+              <a:gd name="connsiteY5" fmla="*/ 74450 h 3415968"/>
+              <a:gd name="connsiteX6" fmla="*/ 3419856 w 3964392"/>
+              <a:gd name="connsiteY6" fmla="*/ 3354550 h 3415968"/>
+              <a:gd name="connsiteX7" fmla="*/ 3398050 w 3964392"/>
+              <a:gd name="connsiteY7" fmla="*/ 3407194 h 3415968"/>
+              <a:gd name="connsiteX8" fmla="*/ 21806 w 3964392"/>
+              <a:gd name="connsiteY8" fmla="*/ 3407194 h 3415968"/>
+              <a:gd name="connsiteX9" fmla="*/ 0 w 3964392"/>
+              <a:gd name="connsiteY9" fmla="*/ 3354550 h 3415968"/>
+              <a:gd name="connsiteX10" fmla="*/ 0 w 3964392"/>
+              <a:gd name="connsiteY10" fmla="*/ 74450 h 3415968"/>
+              <a:gd name="connsiteX0" fmla="*/ 0 w 3964392"/>
+              <a:gd name="connsiteY0" fmla="*/ 74450 h 3415968"/>
+              <a:gd name="connsiteX1" fmla="*/ 21806 w 3964392"/>
+              <a:gd name="connsiteY1" fmla="*/ 21806 h 3415968"/>
+              <a:gd name="connsiteX2" fmla="*/ 74450 w 3964392"/>
+              <a:gd name="connsiteY2" fmla="*/ 0 h 3415968"/>
+              <a:gd name="connsiteX3" fmla="*/ 3345406 w 3964392"/>
+              <a:gd name="connsiteY3" fmla="*/ 0 h 3415968"/>
+              <a:gd name="connsiteX4" fmla="*/ 3398050 w 3964392"/>
+              <a:gd name="connsiteY4" fmla="*/ 21806 h 3415968"/>
+              <a:gd name="connsiteX5" fmla="*/ 3419856 w 3964392"/>
+              <a:gd name="connsiteY5" fmla="*/ 74450 h 3415968"/>
+              <a:gd name="connsiteX6" fmla="*/ 3419856 w 3964392"/>
+              <a:gd name="connsiteY6" fmla="*/ 3354550 h 3415968"/>
+              <a:gd name="connsiteX7" fmla="*/ 3398050 w 3964392"/>
+              <a:gd name="connsiteY7" fmla="*/ 3407194 h 3415968"/>
+              <a:gd name="connsiteX8" fmla="*/ 21806 w 3964392"/>
+              <a:gd name="connsiteY8" fmla="*/ 3407194 h 3415968"/>
+              <a:gd name="connsiteX9" fmla="*/ 0 w 3964392"/>
+              <a:gd name="connsiteY9" fmla="*/ 3354550 h 3415968"/>
+              <a:gd name="connsiteX10" fmla="*/ 0 w 3964392"/>
+              <a:gd name="connsiteY10" fmla="*/ 74450 h 3415968"/>
+              <a:gd name="connsiteX0" fmla="*/ 0 w 3968026"/>
+              <a:gd name="connsiteY0" fmla="*/ 74450 h 3910007"/>
+              <a:gd name="connsiteX1" fmla="*/ 21806 w 3968026"/>
+              <a:gd name="connsiteY1" fmla="*/ 21806 h 3910007"/>
+              <a:gd name="connsiteX2" fmla="*/ 74450 w 3968026"/>
+              <a:gd name="connsiteY2" fmla="*/ 0 h 3910007"/>
+              <a:gd name="connsiteX3" fmla="*/ 3345406 w 3968026"/>
+              <a:gd name="connsiteY3" fmla="*/ 0 h 3910007"/>
+              <a:gd name="connsiteX4" fmla="*/ 3398050 w 3968026"/>
+              <a:gd name="connsiteY4" fmla="*/ 21806 h 3910007"/>
+              <a:gd name="connsiteX5" fmla="*/ 3419856 w 3968026"/>
+              <a:gd name="connsiteY5" fmla="*/ 74450 h 3910007"/>
+              <a:gd name="connsiteX6" fmla="*/ 3419856 w 3968026"/>
+              <a:gd name="connsiteY6" fmla="*/ 3354550 h 3910007"/>
+              <a:gd name="connsiteX7" fmla="*/ 3398050 w 3968026"/>
+              <a:gd name="connsiteY7" fmla="*/ 3407194 h 3910007"/>
+              <a:gd name="connsiteX8" fmla="*/ 0 w 3968026"/>
+              <a:gd name="connsiteY8" fmla="*/ 3354550 h 3910007"/>
+              <a:gd name="connsiteX9" fmla="*/ 0 w 3968026"/>
+              <a:gd name="connsiteY9" fmla="*/ 74450 h 3910007"/>
+              <a:gd name="connsiteX0" fmla="*/ 0 w 3419856"/>
+              <a:gd name="connsiteY0" fmla="*/ 74450 h 3901233"/>
+              <a:gd name="connsiteX1" fmla="*/ 21806 w 3419856"/>
+              <a:gd name="connsiteY1" fmla="*/ 21806 h 3901233"/>
+              <a:gd name="connsiteX2" fmla="*/ 74450 w 3419856"/>
+              <a:gd name="connsiteY2" fmla="*/ 0 h 3901233"/>
+              <a:gd name="connsiteX3" fmla="*/ 3345406 w 3419856"/>
+              <a:gd name="connsiteY3" fmla="*/ 0 h 3901233"/>
+              <a:gd name="connsiteX4" fmla="*/ 3398050 w 3419856"/>
+              <a:gd name="connsiteY4" fmla="*/ 21806 h 3901233"/>
+              <a:gd name="connsiteX5" fmla="*/ 3419856 w 3419856"/>
+              <a:gd name="connsiteY5" fmla="*/ 74450 h 3901233"/>
+              <a:gd name="connsiteX6" fmla="*/ 3419856 w 3419856"/>
+              <a:gd name="connsiteY6" fmla="*/ 3354550 h 3901233"/>
+              <a:gd name="connsiteX7" fmla="*/ 0 w 3419856"/>
+              <a:gd name="connsiteY7" fmla="*/ 3354550 h 3901233"/>
+              <a:gd name="connsiteX8" fmla="*/ 0 w 3419856"/>
+              <a:gd name="connsiteY8" fmla="*/ 74450 h 3901233"/>
+              <a:gd name="connsiteX0" fmla="*/ 0 w 3419856"/>
+              <a:gd name="connsiteY0" fmla="*/ 74450 h 3354550"/>
+              <a:gd name="connsiteX1" fmla="*/ 21806 w 3419856"/>
+              <a:gd name="connsiteY1" fmla="*/ 21806 h 3354550"/>
+              <a:gd name="connsiteX2" fmla="*/ 74450 w 3419856"/>
+              <a:gd name="connsiteY2" fmla="*/ 0 h 3354550"/>
+              <a:gd name="connsiteX3" fmla="*/ 3345406 w 3419856"/>
+              <a:gd name="connsiteY3" fmla="*/ 0 h 3354550"/>
+              <a:gd name="connsiteX4" fmla="*/ 3398050 w 3419856"/>
+              <a:gd name="connsiteY4" fmla="*/ 21806 h 3354550"/>
+              <a:gd name="connsiteX5" fmla="*/ 3419856 w 3419856"/>
+              <a:gd name="connsiteY5" fmla="*/ 74450 h 3354550"/>
+              <a:gd name="connsiteX6" fmla="*/ 3419856 w 3419856"/>
+              <a:gd name="connsiteY6" fmla="*/ 3354550 h 3354550"/>
+              <a:gd name="connsiteX7" fmla="*/ 0 w 3419856"/>
+              <a:gd name="connsiteY7" fmla="*/ 3354550 h 3354550"/>
+              <a:gd name="connsiteX8" fmla="*/ 0 w 3419856"/>
+              <a:gd name="connsiteY8" fmla="*/ 74450 h 3354550"/>
+            </a:gdLst>
+            <a:ahLst/>
+            <a:cxnLst>
+              <a:cxn ang="0">
+                <a:pos x="connsiteX0" y="connsiteY0"/>
+              </a:cxn>
+              <a:cxn ang="0">
+                <a:pos x="connsiteX1" y="connsiteY1"/>
+              </a:cxn>
+              <a:cxn ang="0">
+                <a:pos x="connsiteX2" y="connsiteY2"/>
+              </a:cxn>
+              <a:cxn ang="0">
+                <a:pos x="connsiteX3" y="connsiteY3"/>
+              </a:cxn>
+              <a:cxn ang="0">
+                <a:pos x="connsiteX4" y="connsiteY4"/>
+              </a:cxn>
+              <a:cxn ang="0">
+                <a:pos x="connsiteX5" y="connsiteY5"/>
+              </a:cxn>
+              <a:cxn ang="0">
+                <a:pos x="connsiteX6" y="connsiteY6"/>
+              </a:cxn>
+              <a:cxn ang="0">
+                <a:pos x="connsiteX7" y="connsiteY7"/>
+              </a:cxn>
+              <a:cxn ang="0">
+                <a:pos x="connsiteX8" y="connsiteY8"/>
+              </a:cxn>
+            </a:cxnLst>
+            <a:rect l="l" t="t" r="r" b="b"/>
+            <a:pathLst>
+              <a:path w="3419856" h="3354550">
+                <a:moveTo>
+                  <a:pt x="0" y="74450"/>
+                </a:moveTo>
+                <a:cubicBezTo>
+                  <a:pt x="0" y="54705"/>
+                  <a:pt x="7844" y="35768"/>
+                  <a:pt x="21806" y="21806"/>
+                </a:cubicBezTo>
+                <a:cubicBezTo>
+                  <a:pt x="35768" y="7844"/>
+                  <a:pt x="54705" y="0"/>
+                  <a:pt x="74450" y="0"/>
+                </a:cubicBezTo>
+                <a:lnTo>
+                  <a:pt x="3345406" y="0"/>
+                </a:lnTo>
+                <a:cubicBezTo>
+                  <a:pt x="3365151" y="0"/>
+                  <a:pt x="3384088" y="7844"/>
+                  <a:pt x="3398050" y="21806"/>
+                </a:cubicBezTo>
+                <a:cubicBezTo>
+                  <a:pt x="3412012" y="35768"/>
+                  <a:pt x="3419856" y="54705"/>
+                  <a:pt x="3419856" y="74450"/>
+                </a:cubicBezTo>
+                <a:lnTo>
+                  <a:pt x="3419856" y="3354550"/>
+                </a:lnTo>
+                <a:lnTo>
+                  <a:pt x="0" y="3354550"/>
+                </a:lnTo>
+                <a:lnTo>
+                  <a:pt x="0" y="74450"/>
+                </a:lnTo>
+                <a:close/>
+              </a:path>
+            </a:pathLst>
+          </a:custGeom>
         </p:spPr>
         <p:txBody>
-          <a:bodyPr/>
+          <a:bodyPr>
+            <a:normAutofit/>
+          </a:bodyPr>
           <a:lstStyle>
-            <a:lvl1pPr marL="0" indent="0">
-              <a:buNone/>
-              <a:defRPr sz="3200"/>
+            <a:lvl1pPr marL="0" indent="0" algn="ctr">
+              <a:buNone/>
+              <a:defRPr sz="2000" baseline="0">
+                <a:solidFill>
+                  <a:schemeClr val="tx1">
+                    <a:lumMod val="65000"/>
+                  </a:schemeClr>
+                </a:solidFill>
+              </a:defRPr>
             </a:lvl1pPr>
             <a:lvl2pPr marL="457200" indent="0">
               <a:buNone/>
@@ -2430,7 +3130,11 @@
             </a:lvl9pPr>
           </a:lstStyle>
           <a:p>
-            <a:endParaRPr lang="en-US"/>
+            <a:r>
+              <a:rPr lang="en-US" smtClean="0"/>
+              <a:t>Click icon to add picture</a:t>
+            </a:r>
+            <a:endParaRPr lang="en-US" dirty="0"/>
           </a:p>
         </p:txBody>
       </p:sp>
@@ -2446,12 +3150,14 @@
         </p:nvSpPr>
         <p:spPr>
           <a:xfrm>
-            <a:off x="1792288" y="5367338"/>
-            <a:ext cx="5486400" cy="804862"/>
+            <a:off x="609600" y="2547890"/>
+            <a:ext cx="2971800" cy="2405109"/>
           </a:xfrm>
         </p:spPr>
         <p:txBody>
-          <a:bodyPr/>
+          <a:bodyPr tIns="9144">
+            <a:normAutofit/>
+          </a:bodyPr>
           <a:lstStyle>
             <a:lvl1pPr marL="0" indent="0">
               <a:buNone/>
@@ -2516,7 +3222,7 @@
           <a:p>
             <a:fld id="{EC494DC5-3CA6-4FDC-BD75-13F2FEB8B97C}" type="datetimeFigureOut">
               <a:rPr lang="en-US" smtClean="0"/>
-              <a:t>11/25/2017</a:t>
+              <a:t>3/8/2019</a:t>
             </a:fld>
             <a:endParaRPr lang="en-US"/>
           </a:p>
@@ -2565,11 +3271,6 @@
         </p:txBody>
       </p:sp>
     </p:spTree>
-    <p:extLst>
-      <p:ext uri="{BB962C8B-B14F-4D97-AF65-F5344CB8AC3E}">
-        <p14:creationId xmlns:p14="http://schemas.microsoft.com/office/powerpoint/2010/main" val="1438688148"/>
-      </p:ext>
-    </p:extLst>
   </p:cSld>
   <p:clrMapOvr>
     <a:masterClrMapping/>
@@ -2581,7 +3282,7 @@
 <p:sldMaster xmlns:a="http://schemas.openxmlformats.org/drawingml/2006/main" xmlns:r="http://schemas.openxmlformats.org/officeDocument/2006/relationships" xmlns:p="http://schemas.openxmlformats.org/presentationml/2006/main">
   <p:cSld>
     <p:bg>
-      <p:bgRef idx="1001">
+      <p:bgRef idx="1002">
         <a:schemeClr val="bg1"/>
       </p:bgRef>
     </p:bg>
@@ -2599,129 +3300,151 @@
           <a:chExt cx="0" cy="0"/>
         </a:xfrm>
       </p:grpSpPr>
-      <p:sp>
-        <p:nvSpPr>
-          <p:cNvPr id="2" name="Title Placeholder 1"/>
-          <p:cNvSpPr>
-            <a:spLocks noGrp="1"/>
-          </p:cNvSpPr>
-          <p:nvPr>
-            <p:ph type="title"/>
-          </p:nvPr>
-        </p:nvSpPr>
+      <p:pic>
+        <p:nvPicPr>
+          <p:cNvPr id="7" name="Picture 6" descr="horizon.png"/>
+          <p:cNvPicPr>
+            <a:picLocks noChangeAspect="1"/>
+          </p:cNvPicPr>
+          <p:nvPr/>
+        </p:nvPicPr>
+        <p:blipFill>
+          <a:blip r:embed="rId13" cstate="print"/>
+          <a:stretch>
+            <a:fillRect/>
+          </a:stretch>
+        </p:blipFill>
         <p:spPr>
           <a:xfrm>
-            <a:off x="457200" y="274638"/>
-            <a:ext cx="8229600" cy="1143000"/>
+            <a:off x="0" y="0"/>
+            <a:ext cx="9144000" cy="6858000"/>
           </a:xfrm>
           <a:prstGeom prst="rect">
             <a:avLst/>
           </a:prstGeom>
         </p:spPr>
-        <p:txBody>
-          <a:bodyPr vert="horz" lIns="91440" tIns="45720" rIns="91440" bIns="45720" rtlCol="0" anchor="ctr">
-            <a:normAutofit/>
-          </a:bodyPr>
-          <a:lstStyle/>
-          <a:p>
-            <a:r>
-              <a:rPr lang="en-US" smtClean="0"/>
-              <a:t>Click to edit Master title style</a:t>
-            </a:r>
-            <a:endParaRPr lang="en-US"/>
-          </a:p>
-        </p:txBody>
-      </p:sp>
-      <p:sp>
-        <p:nvSpPr>
-          <p:cNvPr id="3" name="Text Placeholder 2"/>
-          <p:cNvSpPr>
-            <a:spLocks noGrp="1"/>
-          </p:cNvSpPr>
-          <p:nvPr>
-            <p:ph type="body" idx="1"/>
+      </p:pic>
+      <p:sp>
+        <p:nvSpPr>
+          <p:cNvPr id="2" name="Title Placeholder 1"/>
+          <p:cNvSpPr>
+            <a:spLocks noGrp="1"/>
+          </p:cNvSpPr>
+          <p:nvPr>
+            <p:ph type="title"/>
           </p:nvPr>
         </p:nvSpPr>
         <p:spPr>
           <a:xfrm>
-            <a:off x="457200" y="1600200"/>
-            <a:ext cx="8229600" cy="4525963"/>
+            <a:off x="609600" y="274638"/>
+            <a:ext cx="7924800" cy="1143000"/>
           </a:xfrm>
           <a:prstGeom prst="rect">
             <a:avLst/>
           </a:prstGeom>
         </p:spPr>
         <p:txBody>
-          <a:bodyPr vert="horz" lIns="91440" tIns="45720" rIns="91440" bIns="45720" rtlCol="0">
-            <a:normAutofit/>
+          <a:bodyPr vert="horz" lIns="91440" tIns="45720" rIns="91440" bIns="45720" rtlCol="0" anchor="b" anchorCtr="0">
+            <a:noAutofit/>
           </a:bodyPr>
           <a:lstStyle/>
           <a:p>
-            <a:pPr lvl="0"/>
-            <a:r>
-              <a:rPr lang="en-US" smtClean="0"/>
-              <a:t>Click to edit Master text styles</a:t>
-            </a:r>
-          </a:p>
-          <a:p>
-            <a:pPr lvl="1"/>
-            <a:r>
-              <a:rPr lang="en-US" smtClean="0"/>
-              <a:t>Second level</a:t>
-            </a:r>
-          </a:p>
-          <a:p>
-            <a:pPr lvl="2"/>
-            <a:r>
-              <a:rPr lang="en-US" smtClean="0"/>
-              <a:t>Third level</a:t>
-            </a:r>
-          </a:p>
-          <a:p>
-            <a:pPr lvl="3"/>
-            <a:r>
-              <a:rPr lang="en-US" smtClean="0"/>
-              <a:t>Fourth level</a:t>
-            </a:r>
-          </a:p>
-          <a:p>
-            <a:pPr lvl="4"/>
-            <a:r>
-              <a:rPr lang="en-US" smtClean="0"/>
-              <a:t>Fifth level</a:t>
-            </a:r>
-            <a:endParaRPr lang="en-US"/>
-          </a:p>
-        </p:txBody>
-      </p:sp>
-      <p:sp>
-        <p:nvSpPr>
-          <p:cNvPr id="4" name="Date Placeholder 3"/>
-          <p:cNvSpPr>
-            <a:spLocks noGrp="1"/>
-          </p:cNvSpPr>
-          <p:nvPr>
-            <p:ph type="dt" sz="half" idx="2"/>
+            <a:r>
+              <a:rPr lang="en-US" smtClean="0"/>
+              <a:t>Click to edit Master title style</a:t>
+            </a:r>
+            <a:endParaRPr lang="en-US" dirty="0"/>
+          </a:p>
+        </p:txBody>
+      </p:sp>
+      <p:sp>
+        <p:nvSpPr>
+          <p:cNvPr id="3" name="Text Placeholder 2"/>
+          <p:cNvSpPr>
+            <a:spLocks noGrp="1"/>
+          </p:cNvSpPr>
+          <p:nvPr>
+            <p:ph type="body" idx="1"/>
           </p:nvPr>
         </p:nvSpPr>
         <p:spPr>
           <a:xfrm>
-            <a:off x="457200" y="6356350"/>
-            <a:ext cx="2133600" cy="365125"/>
+            <a:off x="609600" y="1600200"/>
+            <a:ext cx="7924800" cy="4525963"/>
           </a:xfrm>
           <a:prstGeom prst="rect">
             <a:avLst/>
           </a:prstGeom>
         </p:spPr>
         <p:txBody>
+          <a:bodyPr vert="horz" lIns="91440" tIns="45720" rIns="91440" bIns="45720" rtlCol="0">
+            <a:normAutofit/>
+          </a:bodyPr>
+          <a:lstStyle/>
+          <a:p>
+            <a:pPr lvl="0"/>
+            <a:r>
+              <a:rPr lang="en-US" smtClean="0"/>
+              <a:t>Click to edit Master text styles</a:t>
+            </a:r>
+          </a:p>
+          <a:p>
+            <a:pPr lvl="1"/>
+            <a:r>
+              <a:rPr lang="en-US" smtClean="0"/>
+              <a:t>Second level</a:t>
+            </a:r>
+          </a:p>
+          <a:p>
+            <a:pPr lvl="2"/>
+            <a:r>
+              <a:rPr lang="en-US" smtClean="0"/>
+              <a:t>Third level</a:t>
+            </a:r>
+          </a:p>
+          <a:p>
+            <a:pPr lvl="3"/>
+            <a:r>
+              <a:rPr lang="en-US" smtClean="0"/>
+              <a:t>Fourth level</a:t>
+            </a:r>
+          </a:p>
+          <a:p>
+            <a:pPr lvl="4"/>
+            <a:r>
+              <a:rPr lang="en-US" smtClean="0"/>
+              <a:t>Fifth level</a:t>
+            </a:r>
+            <a:endParaRPr lang="en-US" dirty="0" smtClean="0"/>
+          </a:p>
+        </p:txBody>
+      </p:sp>
+      <p:sp>
+        <p:nvSpPr>
+          <p:cNvPr id="4" name="Date Placeholder 3"/>
+          <p:cNvSpPr>
+            <a:spLocks noGrp="1"/>
+          </p:cNvSpPr>
+          <p:nvPr>
+            <p:ph type="dt" sz="half" idx="2"/>
+          </p:nvPr>
+        </p:nvSpPr>
+        <p:spPr>
+          <a:xfrm>
+            <a:off x="5715000" y="6356350"/>
+            <a:ext cx="1524000" cy="365125"/>
+          </a:xfrm>
+          <a:prstGeom prst="rect">
+            <a:avLst/>
+          </a:prstGeom>
+        </p:spPr>
+        <p:txBody>
           <a:bodyPr vert="horz" lIns="91440" tIns="45720" rIns="91440" bIns="45720" rtlCol="0" anchor="ctr"/>
           <a:lstStyle>
-            <a:lvl1pPr algn="l">
-              <a:defRPr sz="1200">
+            <a:lvl1pPr algn="r">
+              <a:defRPr sz="1000" strike="noStrike" spc="60" baseline="0">
                 <a:solidFill>
-                  <a:schemeClr val="tx1">
-                    <a:tint val="75000"/>
-                  </a:schemeClr>
+                  <a:schemeClr val="tx1"/>
                 </a:solidFill>
               </a:defRPr>
             </a:lvl1pPr>
@@ -2729,7 +3452,7 @@
           <a:p>
             <a:fld id="{EC494DC5-3CA6-4FDC-BD75-13F2FEB8B97C}" type="datetimeFigureOut">
               <a:rPr lang="en-US" smtClean="0"/>
-              <a:t>11/25/2017</a:t>
+              <a:t>3/8/2019</a:t>
             </a:fld>
             <a:endParaRPr lang="en-US"/>
           </a:p>
@@ -2747,7 +3470,7 @@
         </p:nvSpPr>
         <p:spPr>
           <a:xfrm>
-            <a:off x="3124200" y="6356350"/>
+            <a:off x="609600" y="6356350"/>
             <a:ext cx="2895600" cy="365125"/>
           </a:xfrm>
           <a:prstGeom prst="rect">
@@ -2757,12 +3480,10 @@
         <p:txBody>
           <a:bodyPr vert="horz" lIns="91440" tIns="45720" rIns="91440" bIns="45720" rtlCol="0" anchor="ctr"/>
           <a:lstStyle>
-            <a:lvl1pPr algn="ctr">
-              <a:defRPr sz="1200">
+            <a:lvl1pPr algn="l">
+              <a:defRPr sz="1000" cap="all" spc="60" baseline="0">
                 <a:solidFill>
-                  <a:schemeClr val="tx1">
-                    <a:tint val="75000"/>
-                  </a:schemeClr>
+                  <a:schemeClr val="tx1"/>
                 </a:solidFill>
               </a:defRPr>
             </a:lvl1pPr>
@@ -2784,8 +3505,8 @@
         </p:nvSpPr>
         <p:spPr>
           <a:xfrm>
-            <a:off x="6553200" y="6356350"/>
-            <a:ext cx="2133600" cy="365125"/>
+            <a:off x="7543800" y="6356350"/>
+            <a:ext cx="990600" cy="365125"/>
           </a:xfrm>
           <a:prstGeom prst="rect">
             <a:avLst/>
@@ -2795,11 +3516,9 @@
           <a:bodyPr vert="horz" lIns="91440" tIns="45720" rIns="91440" bIns="45720" rtlCol="0" anchor="ctr"/>
           <a:lstStyle>
             <a:lvl1pPr algn="r">
-              <a:defRPr sz="1200">
+              <a:defRPr sz="1100" baseline="0">
                 <a:solidFill>
-                  <a:schemeClr val="tx1">
-                    <a:tint val="75000"/>
-                  </a:schemeClr>
+                  <a:schemeClr val="tx1"/>
                 </a:solidFill>
               </a:defRPr>
             </a:lvl1pPr>
@@ -2814,34 +3533,29 @@
         </p:txBody>
       </p:sp>
     </p:spTree>
-    <p:extLst>
-      <p:ext uri="{BB962C8B-B14F-4D97-AF65-F5344CB8AC3E}">
-        <p14:creationId xmlns:p14="http://schemas.microsoft.com/office/powerpoint/2010/main" val="3468803610"/>
-      </p:ext>
-    </p:extLst>
   </p:cSld>
-  <p:clrMap bg1="lt1" tx1="dk1" bg2="lt2" tx2="dk2" accent1="accent1" accent2="accent2" accent3="accent3" accent4="accent4" accent5="accent5" accent6="accent6" hlink="hlink" folHlink="folHlink"/>
+  <p:clrMap bg1="dk1" tx1="lt1" bg2="dk2" tx2="lt2" accent1="accent1" accent2="accent2" accent3="accent3" accent4="accent4" accent5="accent5" accent6="accent6" hlink="hlink" folHlink="folHlink"/>
   <p:sldLayoutIdLst>
-    <p:sldLayoutId id="2147483649" r:id="rId1"/>
-    <p:sldLayoutId id="2147483650" r:id="rId2"/>
-    <p:sldLayoutId id="2147483651" r:id="rId3"/>
-    <p:sldLayoutId id="2147483652" r:id="rId4"/>
-    <p:sldLayoutId id="2147483653" r:id="rId5"/>
-    <p:sldLayoutId id="2147483654" r:id="rId6"/>
-    <p:sldLayoutId id="2147483655" r:id="rId7"/>
-    <p:sldLayoutId id="2147483656" r:id="rId8"/>
-    <p:sldLayoutId id="2147483657" r:id="rId9"/>
-    <p:sldLayoutId id="2147483658" r:id="rId10"/>
-    <p:sldLayoutId id="2147483659" r:id="rId11"/>
+    <p:sldLayoutId id="2147483733" r:id="rId1"/>
+    <p:sldLayoutId id="2147483734" r:id="rId2"/>
+    <p:sldLayoutId id="2147483735" r:id="rId3"/>
+    <p:sldLayoutId id="2147483736" r:id="rId4"/>
+    <p:sldLayoutId id="2147483737" r:id="rId5"/>
+    <p:sldLayoutId id="2147483738" r:id="rId6"/>
+    <p:sldLayoutId id="2147483739" r:id="rId7"/>
+    <p:sldLayoutId id="2147483740" r:id="rId8"/>
+    <p:sldLayoutId id="2147483741" r:id="rId9"/>
+    <p:sldLayoutId id="2147483742" r:id="rId10"/>
+    <p:sldLayoutId id="2147483743" r:id="rId11"/>
   </p:sldLayoutIdLst>
   <p:txStyles>
     <p:titleStyle>
-      <a:lvl1pPr algn="ctr" defTabSz="914400" rtl="0" eaLnBrk="1" latinLnBrk="0" hangingPunct="1">
+      <a:lvl1pPr algn="l" defTabSz="914400" rtl="0" eaLnBrk="1" latinLnBrk="0" hangingPunct="1">
         <a:spcBef>
           <a:spcPct val="0"/>
         </a:spcBef>
         <a:buNone/>
-        <a:defRPr sz="4400" kern="1200">
+        <a:defRPr sz="3000" kern="1200" cap="all" spc="50" baseline="0">
           <a:solidFill>
             <a:schemeClr val="tx1"/>
           </a:solidFill>
@@ -2850,15 +3564,80 @@
           <a:cs typeface="+mj-cs"/>
         </a:defRPr>
       </a:lvl1pPr>
+      <a:lvl2pPr eaLnBrk="1" hangingPunct="1">
+        <a:defRPr>
+          <a:solidFill>
+            <a:schemeClr val="tx2"/>
+          </a:solidFill>
+        </a:defRPr>
+      </a:lvl2pPr>
+      <a:lvl3pPr eaLnBrk="1" hangingPunct="1">
+        <a:defRPr>
+          <a:solidFill>
+            <a:schemeClr val="tx2"/>
+          </a:solidFill>
+        </a:defRPr>
+      </a:lvl3pPr>
+      <a:lvl4pPr eaLnBrk="1" hangingPunct="1">
+        <a:defRPr>
+          <a:solidFill>
+            <a:schemeClr val="tx2"/>
+          </a:solidFill>
+        </a:defRPr>
+      </a:lvl4pPr>
+      <a:lvl5pPr eaLnBrk="1" hangingPunct="1">
+        <a:defRPr>
+          <a:solidFill>
+            <a:schemeClr val="tx2"/>
+          </a:solidFill>
+        </a:defRPr>
+      </a:lvl5pPr>
+      <a:lvl6pPr eaLnBrk="1" hangingPunct="1">
+        <a:defRPr>
+          <a:solidFill>
+            <a:schemeClr val="tx2"/>
+          </a:solidFill>
+        </a:defRPr>
+      </a:lvl6pPr>
+      <a:lvl7pPr eaLnBrk="1" hangingPunct="1">
+        <a:defRPr>
+          <a:solidFill>
+            <a:schemeClr val="tx2"/>
+          </a:solidFill>
+        </a:defRPr>
+      </a:lvl7pPr>
+      <a:lvl8pPr eaLnBrk="1" hangingPunct="1">
+        <a:defRPr>
+          <a:solidFill>
+            <a:schemeClr val="tx2"/>
+          </a:solidFill>
+        </a:defRPr>
+      </a:lvl8pPr>
+      <a:lvl9pPr eaLnBrk="1" hangingPunct="1">
+        <a:defRPr>
+          <a:solidFill>
+            <a:schemeClr val="tx2"/>
+          </a:solidFill>
+        </a:defRPr>
+      </a:lvl9pPr>
     </p:titleStyle>
     <p:bodyStyle>
       <a:lvl1pPr marL="342900" indent="-342900" algn="l" defTabSz="914400" rtl="0" eaLnBrk="1" latinLnBrk="0" hangingPunct="1">
+        <a:lnSpc>
+          <a:spcPct val="100000"/>
+        </a:lnSpc>
         <a:spcBef>
           <a:spcPct val="20000"/>
         </a:spcBef>
-        <a:buFont typeface="Arial"/>
+        <a:spcAft>
+          <a:spcPts val="600"/>
+        </a:spcAft>
+        <a:buClr>
+          <a:schemeClr val="tx2"/>
+        </a:buClr>
+        <a:buFont typeface="Arial" pitchFamily="34" charset="0"/>
         <a:buChar char="•"/>
-        <a:defRPr sz="3200" kern="1200">
+        <a:defRPr sz="1700" kern="1200" spc="30" baseline="0">
           <a:solidFill>
             <a:schemeClr val="tx1"/>
           </a:solidFill>
@@ -2868,12 +3647,21 @@
         </a:defRPr>
       </a:lvl1pPr>
       <a:lvl2pPr marL="742950" indent="-285750" algn="l" defTabSz="914400" rtl="0" eaLnBrk="1" latinLnBrk="0" hangingPunct="1">
+        <a:lnSpc>
+          <a:spcPct val="100000"/>
+        </a:lnSpc>
         <a:spcBef>
           <a:spcPct val="20000"/>
         </a:spcBef>
-        <a:buFont typeface="Arial"/>
-        <a:buChar char="–"/>
-        <a:defRPr sz="2800" kern="1200">
+        <a:spcAft>
+          <a:spcPts val="600"/>
+        </a:spcAft>
+        <a:buClr>
+          <a:schemeClr val="tx2"/>
+        </a:buClr>
+        <a:buFont typeface="Arial" pitchFamily="34" charset="0"/>
+        <a:buChar char="•"/>
+        <a:defRPr sz="1700" kern="1200" spc="30" baseline="0">
           <a:solidFill>
             <a:schemeClr val="tx1"/>
           </a:solidFill>
@@ -2883,12 +3671,21 @@
         </a:defRPr>
       </a:lvl2pPr>
       <a:lvl3pPr marL="1143000" indent="-228600" algn="l" defTabSz="914400" rtl="0" eaLnBrk="1" latinLnBrk="0" hangingPunct="1">
+        <a:lnSpc>
+          <a:spcPct val="100000"/>
+        </a:lnSpc>
         <a:spcBef>
           <a:spcPct val="20000"/>
         </a:spcBef>
-        <a:buFont typeface="Arial"/>
+        <a:spcAft>
+          <a:spcPts val="600"/>
+        </a:spcAft>
+        <a:buClr>
+          <a:schemeClr val="tx2"/>
+        </a:buClr>
+        <a:buFont typeface="Arial" pitchFamily="34" charset="0"/>
         <a:buChar char="•"/>
-        <a:defRPr sz="2400" kern="1200">
+        <a:defRPr sz="1700" kern="1200" spc="30" baseline="0">
           <a:solidFill>
             <a:schemeClr val="tx1"/>
           </a:solidFill>
@@ -2898,12 +3695,21 @@
         </a:defRPr>
       </a:lvl3pPr>
       <a:lvl4pPr marL="1600200" indent="-228600" algn="l" defTabSz="914400" rtl="0" eaLnBrk="1" latinLnBrk="0" hangingPunct="1">
+        <a:lnSpc>
+          <a:spcPct val="100000"/>
+        </a:lnSpc>
         <a:spcBef>
           <a:spcPct val="20000"/>
         </a:spcBef>
-        <a:buFont typeface="Arial"/>
-        <a:buChar char="–"/>
-        <a:defRPr sz="2000" kern="1200">
+        <a:spcAft>
+          <a:spcPts val="600"/>
+        </a:spcAft>
+        <a:buClr>
+          <a:schemeClr val="tx2"/>
+        </a:buClr>
+        <a:buFont typeface="Arial" pitchFamily="34" charset="0"/>
+        <a:buChar char="•"/>
+        <a:defRPr sz="1700" kern="1200" spc="30" baseline="0">
           <a:solidFill>
             <a:schemeClr val="tx1"/>
           </a:solidFill>
@@ -2913,12 +3719,21 @@
         </a:defRPr>
       </a:lvl4pPr>
       <a:lvl5pPr marL="2057400" indent="-228600" algn="l" defTabSz="914400" rtl="0" eaLnBrk="1" latinLnBrk="0" hangingPunct="1">
+        <a:lnSpc>
+          <a:spcPct val="100000"/>
+        </a:lnSpc>
         <a:spcBef>
           <a:spcPct val="20000"/>
         </a:spcBef>
-        <a:buFont typeface="Arial"/>
-        <a:buChar char="»"/>
-        <a:defRPr sz="2000" kern="1200">
+        <a:spcAft>
+          <a:spcPts val="600"/>
+        </a:spcAft>
+        <a:buClr>
+          <a:schemeClr val="tx2"/>
+        </a:buClr>
+        <a:buFont typeface="Arial" pitchFamily="34" charset="0"/>
+        <a:buChar char="•"/>
+        <a:defRPr sz="1700" kern="1200" spc="30" baseline="0">
           <a:solidFill>
             <a:schemeClr val="tx1"/>
           </a:solidFill>
@@ -2928,12 +3743,21 @@
         </a:defRPr>
       </a:lvl5pPr>
       <a:lvl6pPr marL="2514600" indent="-228600" algn="l" defTabSz="914400" rtl="0" eaLnBrk="1" latinLnBrk="0" hangingPunct="1">
+        <a:lnSpc>
+          <a:spcPct val="100000"/>
+        </a:lnSpc>
         <a:spcBef>
           <a:spcPct val="20000"/>
         </a:spcBef>
-        <a:buFont typeface="Arial"/>
+        <a:spcAft>
+          <a:spcPts val="600"/>
+        </a:spcAft>
+        <a:buClr>
+          <a:schemeClr val="tx2"/>
+        </a:buClr>
+        <a:buFont typeface="Arial" pitchFamily="34" charset="0"/>
         <a:buChar char="•"/>
-        <a:defRPr sz="2000" kern="1200">
+        <a:defRPr sz="1700" kern="1200">
           <a:solidFill>
             <a:schemeClr val="tx1"/>
           </a:solidFill>
@@ -2943,12 +3767,21 @@
         </a:defRPr>
       </a:lvl6pPr>
       <a:lvl7pPr marL="2971800" indent="-228600" algn="l" defTabSz="914400" rtl="0" eaLnBrk="1" latinLnBrk="0" hangingPunct="1">
+        <a:lnSpc>
+          <a:spcPct val="100000"/>
+        </a:lnSpc>
         <a:spcBef>
           <a:spcPct val="20000"/>
         </a:spcBef>
-        <a:buFont typeface="Arial"/>
+        <a:spcAft>
+          <a:spcPts val="600"/>
+        </a:spcAft>
+        <a:buClr>
+          <a:schemeClr val="tx2"/>
+        </a:buClr>
+        <a:buFont typeface="Arial" pitchFamily="34" charset="0"/>
         <a:buChar char="•"/>
-        <a:defRPr sz="2000" kern="1200">
+        <a:defRPr sz="1700" kern="1200">
           <a:solidFill>
             <a:schemeClr val="tx1"/>
           </a:solidFill>
@@ -2958,12 +3791,21 @@
         </a:defRPr>
       </a:lvl7pPr>
       <a:lvl8pPr marL="3429000" indent="-228600" algn="l" defTabSz="914400" rtl="0" eaLnBrk="1" latinLnBrk="0" hangingPunct="1">
+        <a:lnSpc>
+          <a:spcPct val="100000"/>
+        </a:lnSpc>
         <a:spcBef>
           <a:spcPct val="20000"/>
         </a:spcBef>
-        <a:buFont typeface="Arial"/>
+        <a:spcAft>
+          <a:spcPts val="600"/>
+        </a:spcAft>
+        <a:buClr>
+          <a:schemeClr val="tx2"/>
+        </a:buClr>
+        <a:buFont typeface="Arial" pitchFamily="34" charset="0"/>
         <a:buChar char="•"/>
-        <a:defRPr sz="2000" kern="1200">
+        <a:defRPr sz="1700" kern="1200">
           <a:solidFill>
             <a:schemeClr val="tx1"/>
           </a:solidFill>
@@ -2973,12 +3815,21 @@
         </a:defRPr>
       </a:lvl8pPr>
       <a:lvl9pPr marL="3886200" indent="-228600" algn="l" defTabSz="914400" rtl="0" eaLnBrk="1" latinLnBrk="0" hangingPunct="1">
+        <a:lnSpc>
+          <a:spcPct val="100000"/>
+        </a:lnSpc>
         <a:spcBef>
           <a:spcPct val="20000"/>
         </a:spcBef>
-        <a:buFont typeface="Arial"/>
+        <a:spcAft>
+          <a:spcPts val="600"/>
+        </a:spcAft>
+        <a:buClr>
+          <a:schemeClr val="tx2"/>
+        </a:buClr>
+        <a:buFont typeface="Arial" pitchFamily="34" charset="0"/>
         <a:buChar char="•"/>
-        <a:defRPr sz="2000" kern="1200">
+        <a:defRPr sz="1700" kern="1200">
           <a:solidFill>
             <a:schemeClr val="tx1"/>
           </a:solidFill>
@@ -3106,18 +3957,274 @@
       </p:grpSpPr>
       <p:sp>
         <p:nvSpPr>
-          <p:cNvPr id="2" name="Title 1"/>
-          <p:cNvSpPr>
-            <a:spLocks noGrp="1"/>
-          </p:cNvSpPr>
-          <p:nvPr>
-            <p:ph type="ctrTitle"/>
+          <p:cNvPr id="3" name="Subtitle 2"/>
+          <p:cNvSpPr>
+            <a:spLocks noGrp="1"/>
+          </p:cNvSpPr>
+          <p:nvPr>
+            <p:ph type="subTitle" idx="1"/>
           </p:nvPr>
         </p:nvSpPr>
         <p:spPr>
           <a:xfrm>
-            <a:off x="611560" y="1052736"/>
-            <a:ext cx="7772400" cy="1470025"/>
+            <a:off x="827584" y="2060848"/>
+            <a:ext cx="7632848" cy="3456384"/>
+          </a:xfrm>
+        </p:spPr>
+        <p:txBody>
+          <a:bodyPr>
+            <a:noAutofit/>
+          </a:bodyPr>
+          <a:lstStyle/>
+          <a:p>
+            <a:r>
+              <a:rPr lang="en-US" sz="2400" b="1" dirty="0">
+                <a:solidFill>
+                  <a:schemeClr val="tx1"/>
+                </a:solidFill>
+                <a:latin typeface="AR PL KaitiM GB" pitchFamily="2" charset="-122"/>
+                <a:ea typeface="AR PL KaitiM GB" pitchFamily="2" charset="-122"/>
+              </a:rPr>
+              <a:t>2</a:t>
+            </a:r>
+            <a:r>
+              <a:rPr lang="en-US" sz="2400" b="1" dirty="0" smtClean="0">
+                <a:solidFill>
+                  <a:schemeClr val="tx1"/>
+                </a:solidFill>
+                <a:latin typeface="AR PL KaitiM GB" pitchFamily="2" charset="-122"/>
+                <a:ea typeface="AR PL KaitiM GB" pitchFamily="2" charset="-122"/>
+              </a:rPr>
+              <a:t>3 </a:t>
+            </a:r>
+            <a:r>
+              <a:rPr lang="en-US" sz="2400" b="1" dirty="0" err="1" smtClean="0">
+                <a:solidFill>
+                  <a:schemeClr val="tx1"/>
+                </a:solidFill>
+                <a:latin typeface="AR PL KaitiM GB" pitchFamily="2" charset="-122"/>
+                <a:ea typeface="AR PL KaitiM GB" pitchFamily="2" charset="-122"/>
+              </a:rPr>
+              <a:t>Maret</a:t>
+            </a:r>
+            <a:r>
+              <a:rPr lang="en-US" sz="2400" b="1" dirty="0" smtClean="0">
+                <a:solidFill>
+                  <a:schemeClr val="tx1"/>
+                </a:solidFill>
+                <a:latin typeface="AR PL KaitiM GB" pitchFamily="2" charset="-122"/>
+                <a:ea typeface="AR PL KaitiM GB" pitchFamily="2" charset="-122"/>
+              </a:rPr>
+              <a:t> 2019</a:t>
+            </a:r>
+          </a:p>
+          <a:p>
+            <a:r>
+              <a:rPr lang="en-US" sz="2800" b="1" dirty="0" err="1" smtClean="0">
+                <a:solidFill>
+                  <a:schemeClr val="tx1"/>
+                </a:solidFill>
+                <a:latin typeface="AR PL KaitiM GB" pitchFamily="2" charset="-122"/>
+                <a:ea typeface="AR PL KaitiM GB" pitchFamily="2" charset="-122"/>
+              </a:rPr>
+              <a:t>Universitas</a:t>
+            </a:r>
+            <a:r>
+              <a:rPr lang="en-US" sz="2800" b="1" dirty="0" smtClean="0">
+                <a:solidFill>
+                  <a:schemeClr val="tx1"/>
+                </a:solidFill>
+                <a:latin typeface="AR PL KaitiM GB" pitchFamily="2" charset="-122"/>
+                <a:ea typeface="AR PL KaitiM GB" pitchFamily="2" charset="-122"/>
+              </a:rPr>
+              <a:t> </a:t>
+            </a:r>
+            <a:r>
+              <a:rPr lang="en-US" sz="2800" b="1" dirty="0">
+                <a:solidFill>
+                  <a:schemeClr val="tx1"/>
+                </a:solidFill>
+                <a:latin typeface="AR PL KaitiM GB" pitchFamily="2" charset="-122"/>
+                <a:ea typeface="AR PL KaitiM GB" pitchFamily="2" charset="-122"/>
+              </a:rPr>
+              <a:t>Islam </a:t>
+            </a:r>
+            <a:r>
+              <a:rPr lang="en-US" sz="2800" b="1" dirty="0" smtClean="0">
+                <a:solidFill>
+                  <a:schemeClr val="tx1"/>
+                </a:solidFill>
+                <a:latin typeface="AR PL KaitiM GB" pitchFamily="2" charset="-122"/>
+                <a:ea typeface="AR PL KaitiM GB" pitchFamily="2" charset="-122"/>
+              </a:rPr>
+              <a:t>Bandung</a:t>
+            </a:r>
+            <a:r>
+              <a:rPr lang="en-US" sz="2800" b="1" dirty="0" smtClean="0">
+                <a:solidFill>
+                  <a:schemeClr val="tx1"/>
+                </a:solidFill>
+                <a:latin typeface="AR PL KaitiM GB" pitchFamily="2" charset="-122"/>
+                <a:ea typeface="AR PL KaitiM GB" pitchFamily="2" charset="-122"/>
+              </a:rPr>
+              <a:t> </a:t>
+            </a:r>
+            <a:endParaRPr lang="en-US" sz="2800" b="1" dirty="0" smtClean="0">
+              <a:solidFill>
+                <a:schemeClr val="tx1"/>
+              </a:solidFill>
+              <a:latin typeface="AR PL KaitiM GB" pitchFamily="2" charset="-122"/>
+              <a:ea typeface="AR PL KaitiM GB" pitchFamily="2" charset="-122"/>
+            </a:endParaRPr>
+          </a:p>
+          <a:p>
+            <a:r>
+              <a:rPr lang="en-US" sz="2400" b="1" dirty="0" smtClean="0">
+                <a:solidFill>
+                  <a:schemeClr val="tx1"/>
+                </a:solidFill>
+                <a:latin typeface="AR PL KaitiM GB" pitchFamily="2" charset="-122"/>
+                <a:ea typeface="AR PL KaitiM GB" pitchFamily="2" charset="-122"/>
+              </a:rPr>
+              <a:t>Jl. </a:t>
+            </a:r>
+            <a:r>
+              <a:rPr lang="en-US" sz="2400" b="1" dirty="0" err="1" smtClean="0">
+                <a:solidFill>
+                  <a:schemeClr val="tx1"/>
+                </a:solidFill>
+                <a:latin typeface="AR PL KaitiM GB" pitchFamily="2" charset="-122"/>
+                <a:ea typeface="AR PL KaitiM GB" pitchFamily="2" charset="-122"/>
+              </a:rPr>
+              <a:t>Tamansari</a:t>
+            </a:r>
+            <a:r>
+              <a:rPr lang="en-US" sz="2400" b="1" dirty="0" smtClean="0">
+                <a:solidFill>
+                  <a:schemeClr val="tx1"/>
+                </a:solidFill>
+                <a:latin typeface="AR PL KaitiM GB" pitchFamily="2" charset="-122"/>
+                <a:ea typeface="AR PL KaitiM GB" pitchFamily="2" charset="-122"/>
+              </a:rPr>
+              <a:t>, </a:t>
+            </a:r>
+            <a:r>
+              <a:rPr lang="en-US" sz="2400" b="1" dirty="0" smtClean="0">
+                <a:solidFill>
+                  <a:schemeClr val="tx1"/>
+                </a:solidFill>
+                <a:latin typeface="AR PL KaitiM GB" pitchFamily="2" charset="-122"/>
+                <a:ea typeface="AR PL KaitiM GB" pitchFamily="2" charset="-122"/>
+              </a:rPr>
+              <a:t>Kota Bandung </a:t>
+            </a:r>
+          </a:p>
+          <a:p>
+            <a:endParaRPr lang="en-US" b="1" dirty="0" smtClean="0">
+              <a:solidFill>
+                <a:schemeClr val="tx1"/>
+              </a:solidFill>
+              <a:latin typeface="AR PL KaitiM GB" pitchFamily="2" charset="-122"/>
+              <a:ea typeface="AR PL KaitiM GB" pitchFamily="2" charset="-122"/>
+            </a:endParaRPr>
+          </a:p>
+          <a:p>
+            <a:r>
+              <a:rPr lang="en-US" sz="3000" b="1" dirty="0" smtClean="0">
+                <a:solidFill>
+                  <a:schemeClr val="tx1"/>
+                </a:solidFill>
+                <a:latin typeface="AR PL KaitiM GB" pitchFamily="2" charset="-122"/>
+                <a:ea typeface="AR PL KaitiM GB" pitchFamily="2" charset="-122"/>
+              </a:rPr>
+              <a:t>Markus </a:t>
+            </a:r>
+            <a:r>
+              <a:rPr lang="en-US" sz="3000" b="1" dirty="0" err="1" smtClean="0">
+                <a:solidFill>
+                  <a:schemeClr val="tx1"/>
+                </a:solidFill>
+                <a:latin typeface="AR PL KaitiM GB" pitchFamily="2" charset="-122"/>
+                <a:ea typeface="AR PL KaitiM GB" pitchFamily="2" charset="-122"/>
+              </a:rPr>
+              <a:t>Paramahasti</a:t>
+            </a:r>
+            <a:r>
+              <a:rPr lang="en-US" sz="3000" b="1" dirty="0" smtClean="0">
+                <a:solidFill>
+                  <a:schemeClr val="tx1"/>
+                </a:solidFill>
+                <a:latin typeface="AR PL KaitiM GB" pitchFamily="2" charset="-122"/>
+                <a:ea typeface="AR PL KaitiM GB" pitchFamily="2" charset="-122"/>
+              </a:rPr>
+              <a:t> </a:t>
+            </a:r>
+          </a:p>
+          <a:p>
+            <a:r>
+              <a:rPr lang="en-US" sz="2800" b="1" dirty="0" smtClean="0">
+                <a:solidFill>
+                  <a:schemeClr val="tx1"/>
+                </a:solidFill>
+                <a:latin typeface="AR PL KaitiM GB" pitchFamily="2" charset="-122"/>
+                <a:ea typeface="AR PL KaitiM GB" pitchFamily="2" charset="-122"/>
+              </a:rPr>
+              <a:t>(</a:t>
+            </a:r>
+            <a:r>
+              <a:rPr lang="en-US" sz="2800" b="1" i="1" dirty="0" err="1" smtClean="0">
+                <a:solidFill>
+                  <a:schemeClr val="tx1"/>
+                </a:solidFill>
+                <a:latin typeface="AR PL KaitiM GB" pitchFamily="2" charset="-122"/>
+                <a:ea typeface="AR PL KaitiM GB" pitchFamily="2" charset="-122"/>
+              </a:rPr>
+              <a:t>Volantis</a:t>
+            </a:r>
+            <a:r>
+              <a:rPr lang="en-US" sz="2800" b="1" i="1" dirty="0" smtClean="0">
+                <a:solidFill>
+                  <a:schemeClr val="tx1"/>
+                </a:solidFill>
+                <a:latin typeface="AR PL KaitiM GB" pitchFamily="2" charset="-122"/>
+                <a:ea typeface="AR PL KaitiM GB" pitchFamily="2" charset="-122"/>
+              </a:rPr>
+              <a:t> Technology</a:t>
+            </a:r>
+            <a:r>
+              <a:rPr lang="en-US" sz="2800" b="1" dirty="0" smtClean="0">
+                <a:solidFill>
+                  <a:schemeClr val="tx1"/>
+                </a:solidFill>
+                <a:latin typeface="AR PL KaitiM GB" pitchFamily="2" charset="-122"/>
+                <a:ea typeface="AR PL KaitiM GB" pitchFamily="2" charset="-122"/>
+              </a:rPr>
+              <a:t>)</a:t>
+            </a:r>
+            <a:endParaRPr lang="en-US" sz="2800" b="1" dirty="0">
+              <a:solidFill>
+                <a:schemeClr val="tx1"/>
+              </a:solidFill>
+              <a:latin typeface="AR PL KaitiM GB" pitchFamily="2" charset="-122"/>
+              <a:ea typeface="AR PL KaitiM GB" pitchFamily="2" charset="-122"/>
+            </a:endParaRPr>
+          </a:p>
+        </p:txBody>
+      </p:sp>
+      <p:sp>
+        <p:nvSpPr>
+          <p:cNvPr id="2" name="Title 1"/>
+          <p:cNvSpPr>
+            <a:spLocks noGrp="1"/>
+          </p:cNvSpPr>
+          <p:nvPr>
+            <p:ph type="ctrTitle"/>
+          </p:nvPr>
+        </p:nvSpPr>
+        <p:spPr>
+          <a:xfrm>
+            <a:off x="683568" y="620688"/>
+            <a:ext cx="7772400" cy="1037977"/>
           </a:xfrm>
         </p:spPr>
         <p:txBody>
@@ -3146,112 +4253,36 @@
           </a:p>
         </p:txBody>
       </p:sp>
-      <p:sp>
-        <p:nvSpPr>
-          <p:cNvPr id="3" name="Subtitle 2"/>
-          <p:cNvSpPr>
-            <a:spLocks noGrp="1"/>
-          </p:cNvSpPr>
-          <p:nvPr>
-            <p:ph type="subTitle" idx="1"/>
-          </p:nvPr>
-        </p:nvSpPr>
+      <p:pic>
+        <p:nvPicPr>
+          <p:cNvPr id="5" name="Picture 4"/>
+          <p:cNvPicPr>
+            <a:picLocks noChangeAspect="1"/>
+          </p:cNvPicPr>
+          <p:nvPr/>
+        </p:nvPicPr>
+        <p:blipFill>
+          <a:blip r:embed="rId3" cstate="print">
+            <a:extLst>
+              <a:ext uri="{28A0092B-C50C-407E-A947-70E740481C1C}">
+                <a14:useLocalDpi xmlns:a14="http://schemas.microsoft.com/office/drawing/2010/main" val="0"/>
+              </a:ext>
+            </a:extLst>
+          </a:blip>
+          <a:stretch>
+            <a:fillRect/>
+          </a:stretch>
+        </p:blipFill>
         <p:spPr>
           <a:xfrm>
-            <a:off x="1403648" y="3356992"/>
-            <a:ext cx="6400800" cy="1752600"/>
+            <a:off x="91247" y="6021288"/>
+            <a:ext cx="2752561" cy="787086"/>
           </a:xfrm>
+          <a:prstGeom prst="rect">
+            <a:avLst/>
+          </a:prstGeom>
         </p:spPr>
-        <p:txBody>
-          <a:bodyPr>
-            <a:noAutofit/>
-          </a:bodyPr>
-          <a:lstStyle/>
-          <a:p>
-            <a:r>
-              <a:rPr lang="en-US" sz="2400" b="1" dirty="0" smtClean="0">
-                <a:solidFill>
-                  <a:schemeClr val="tx1"/>
-                </a:solidFill>
-                <a:latin typeface="AR PL KaitiM GB" pitchFamily="2" charset="-122"/>
-                <a:ea typeface="AR PL KaitiM GB" pitchFamily="2" charset="-122"/>
-              </a:rPr>
-              <a:t>26 November 2017</a:t>
-            </a:r>
-          </a:p>
-          <a:p>
-            <a:r>
-              <a:rPr lang="en-US" sz="2400" b="1" dirty="0" err="1" smtClean="0">
-                <a:solidFill>
-                  <a:schemeClr val="tx1"/>
-                </a:solidFill>
-                <a:latin typeface="AR PL KaitiM GB" pitchFamily="2" charset="-122"/>
-                <a:ea typeface="AR PL KaitiM GB" pitchFamily="2" charset="-122"/>
-              </a:rPr>
-              <a:t>Pejanten</a:t>
-            </a:r>
-            <a:r>
-              <a:rPr lang="en-US" sz="2400" b="1" dirty="0" smtClean="0">
-                <a:solidFill>
-                  <a:schemeClr val="tx1"/>
-                </a:solidFill>
-                <a:latin typeface="AR PL KaitiM GB" pitchFamily="2" charset="-122"/>
-                <a:ea typeface="AR PL KaitiM GB" pitchFamily="2" charset="-122"/>
-              </a:rPr>
-              <a:t> Barat, </a:t>
-            </a:r>
-            <a:r>
-              <a:rPr lang="en-US" sz="2400" b="1" dirty="0" err="1" smtClean="0">
-                <a:solidFill>
-                  <a:schemeClr val="tx1"/>
-                </a:solidFill>
-                <a:latin typeface="AR PL KaitiM GB" pitchFamily="2" charset="-122"/>
-                <a:ea typeface="AR PL KaitiM GB" pitchFamily="2" charset="-122"/>
-              </a:rPr>
-              <a:t>Pasarminggu</a:t>
-            </a:r>
-            <a:r>
-              <a:rPr lang="en-US" sz="2400" b="1" dirty="0" smtClean="0">
-                <a:solidFill>
-                  <a:schemeClr val="tx1"/>
-                </a:solidFill>
-                <a:latin typeface="AR PL KaitiM GB" pitchFamily="2" charset="-122"/>
-                <a:ea typeface="AR PL KaitiM GB" pitchFamily="2" charset="-122"/>
-              </a:rPr>
-              <a:t>, Jakarta Selatan </a:t>
-            </a:r>
-          </a:p>
-          <a:p>
-            <a:r>
-              <a:rPr lang="en-US" sz="2400" b="1" dirty="0" smtClean="0">
-                <a:solidFill>
-                  <a:schemeClr val="tx1"/>
-                </a:solidFill>
-                <a:latin typeface="AR PL KaitiM GB" pitchFamily="2" charset="-122"/>
-                <a:ea typeface="AR PL KaitiM GB" pitchFamily="2" charset="-122"/>
-              </a:rPr>
-              <a:t>Markus </a:t>
-            </a:r>
-            <a:r>
-              <a:rPr lang="en-US" sz="2400" b="1" dirty="0" err="1" smtClean="0">
-                <a:solidFill>
-                  <a:schemeClr val="tx1"/>
-                </a:solidFill>
-                <a:latin typeface="AR PL KaitiM GB" pitchFamily="2" charset="-122"/>
-                <a:ea typeface="AR PL KaitiM GB" pitchFamily="2" charset="-122"/>
-              </a:rPr>
-              <a:t>Paramahasti</a:t>
-            </a:r>
-            <a:endParaRPr lang="en-US" sz="2400" b="1" dirty="0">
-              <a:solidFill>
-                <a:schemeClr val="tx1"/>
-              </a:solidFill>
-              <a:latin typeface="AR PL KaitiM GB" pitchFamily="2" charset="-122"/>
-              <a:ea typeface="AR PL KaitiM GB" pitchFamily="2" charset="-122"/>
-            </a:endParaRPr>
-          </a:p>
-        </p:txBody>
-      </p:sp>
+      </p:pic>
     </p:spTree>
     <p:extLst>
       <p:ext uri="{BB962C8B-B14F-4D97-AF65-F5344CB8AC3E}">
@@ -3323,12 +4354,14 @@
             <a:spLocks noGrp="1"/>
           </p:cNvSpPr>
           <p:nvPr>
-            <p:ph idx="1"/>
+            <p:ph sz="quarter" idx="13"/>
           </p:nvPr>
         </p:nvSpPr>
         <p:spPr/>
         <p:txBody>
-          <a:bodyPr/>
+          <a:bodyPr>
+            <a:normAutofit/>
+          </a:bodyPr>
           <a:lstStyle/>
           <a:p>
             <a:pPr marL="0" indent="0">
@@ -3337,6 +4370,51 @@
             <a:r>
               <a:rPr lang="en-US" dirty="0" smtClean="0"/>
               <a:t>Install </a:t>
+            </a:r>
+            <a:r>
+              <a:rPr lang="en-US" dirty="0" smtClean="0"/>
+              <a:t>Python (Version &gt;= 3.7 ) : Download </a:t>
+            </a:r>
+            <a:r>
+              <a:rPr lang="en-US" dirty="0" err="1" smtClean="0"/>
+              <a:t>Miniconda</a:t>
+            </a:r>
+            <a:r>
+              <a:rPr lang="en-US" dirty="0" smtClean="0"/>
+              <a:t> Installer</a:t>
+            </a:r>
+          </a:p>
+          <a:p>
+            <a:pPr marL="0" indent="0">
+              <a:buNone/>
+            </a:pPr>
+            <a:r>
+              <a:rPr lang="en-US" dirty="0" smtClean="0"/>
+              <a:t>Test installation : </a:t>
+            </a:r>
+            <a:r>
+              <a:rPr lang="en-US" dirty="0" err="1" smtClean="0"/>
+              <a:t>conda</a:t>
+            </a:r>
+            <a:r>
+              <a:rPr lang="en-US" dirty="0" smtClean="0"/>
+              <a:t> list</a:t>
+            </a:r>
+            <a:endParaRPr lang="en-US" dirty="0" smtClean="0"/>
+          </a:p>
+          <a:p>
+            <a:pPr marL="0" indent="0">
+              <a:buNone/>
+            </a:pPr>
+            <a:endParaRPr lang="en-US" dirty="0"/>
+          </a:p>
+          <a:p>
+            <a:pPr marL="0" indent="0">
+              <a:buNone/>
+            </a:pPr>
+            <a:r>
+              <a:rPr lang="en-US" dirty="0" smtClean="0"/>
+              <a:t>Install the library : (</a:t>
             </a:r>
             <a:r>
               <a:rPr lang="en-US" dirty="0" err="1" smtClean="0"/>
@@ -3348,23 +4426,133 @@
             </a:r>
             <a:r>
               <a:rPr lang="en-US" dirty="0" err="1" smtClean="0"/>
+              <a:t>scipy</a:t>
+            </a:r>
+            <a:r>
+              <a:rPr lang="en-US" dirty="0" smtClean="0"/>
+              <a:t>, </a:t>
+            </a:r>
+            <a:r>
+              <a:rPr lang="en-US" dirty="0" err="1" smtClean="0"/>
               <a:t>matplotlib</a:t>
             </a:r>
             <a:r>
               <a:rPr lang="en-US" dirty="0" smtClean="0"/>
-              <a:t> :</a:t>
-            </a:r>
-          </a:p>
-          <a:p>
-            <a:pPr marL="0" indent="0">
-              <a:buNone/>
+              <a:t>, </a:t>
+            </a:r>
+            <a:r>
+              <a:rPr lang="en-US" dirty="0" err="1" smtClean="0"/>
+              <a:t>ipython</a:t>
+            </a:r>
+            <a:r>
+              <a:rPr lang="en-US" dirty="0" smtClean="0"/>
+              <a:t>, </a:t>
+            </a:r>
+            <a:r>
+              <a:rPr lang="en-US" dirty="0" err="1" smtClean="0"/>
+              <a:t>jupyter</a:t>
+            </a:r>
+            <a:r>
+              <a:rPr lang="en-US" dirty="0" smtClean="0"/>
+              <a:t>, </a:t>
+            </a:r>
+            <a:r>
+              <a:rPr lang="en-US" dirty="0" err="1" smtClean="0"/>
+              <a:t>sympy</a:t>
+            </a:r>
+            <a:r>
+              <a:rPr lang="en-US" dirty="0" smtClean="0"/>
+              <a:t>) :</a:t>
+            </a:r>
+          </a:p>
+          <a:p>
+            <a:pPr>
+              <a:buFont typeface="Arial" charset="0"/>
+              <a:buChar char="•"/>
             </a:pPr>
+            <a:r>
+              <a:rPr lang="en-US" dirty="0" err="1" smtClean="0"/>
+              <a:t>c</a:t>
+            </a:r>
+            <a:r>
+              <a:rPr lang="en-US" dirty="0" err="1" smtClean="0"/>
+              <a:t>onda</a:t>
+            </a:r>
+            <a:r>
+              <a:rPr lang="en-US" dirty="0" smtClean="0"/>
+              <a:t> install –c anaconda </a:t>
+            </a:r>
+            <a:r>
+              <a:rPr lang="en-US" dirty="0" err="1" smtClean="0"/>
+              <a:t>numpy</a:t>
+            </a:r>
+            <a:r>
+              <a:rPr lang="en-US" dirty="0" smtClean="0"/>
+              <a:t> pandas </a:t>
+            </a:r>
+            <a:r>
+              <a:rPr lang="en-US" dirty="0" err="1" smtClean="0"/>
+              <a:t>scipy</a:t>
+            </a:r>
+            <a:r>
+              <a:rPr lang="en-US" dirty="0" smtClean="0"/>
+              <a:t> </a:t>
+            </a:r>
+            <a:r>
+              <a:rPr lang="en-US" dirty="0" err="1" smtClean="0"/>
+              <a:t>ipython</a:t>
+            </a:r>
+            <a:r>
+              <a:rPr lang="en-US" dirty="0" smtClean="0"/>
+              <a:t> </a:t>
+            </a:r>
+            <a:r>
+              <a:rPr lang="en-US" dirty="0" err="1" smtClean="0"/>
+              <a:t>jupyter</a:t>
+            </a:r>
             <a:endParaRPr lang="en-US" dirty="0" smtClean="0"/>
           </a:p>
           <a:p>
-            <a:pPr marL="0" indent="0">
-              <a:buNone/>
+            <a:pPr>
+              <a:buFont typeface="Arial" charset="0"/>
+              <a:buChar char="•"/>
             </a:pPr>
+            <a:r>
+              <a:rPr lang="en-US" dirty="0" smtClean="0"/>
+              <a:t>pip install –U </a:t>
+            </a:r>
+            <a:r>
+              <a:rPr lang="en-US" dirty="0" err="1" smtClean="0"/>
+              <a:t>numpy</a:t>
+            </a:r>
+            <a:r>
+              <a:rPr lang="en-US" dirty="0" smtClean="0"/>
+              <a:t> pandas </a:t>
+            </a:r>
+            <a:r>
+              <a:rPr lang="en-US" dirty="0" err="1" smtClean="0"/>
+              <a:t>scipy</a:t>
+            </a:r>
+            <a:r>
+              <a:rPr lang="en-US" dirty="0" smtClean="0"/>
+              <a:t> </a:t>
+            </a:r>
+            <a:r>
+              <a:rPr lang="en-US" dirty="0" err="1" smtClean="0"/>
+              <a:t>ipython</a:t>
+            </a:r>
+            <a:r>
+              <a:rPr lang="en-US" dirty="0" smtClean="0"/>
+              <a:t> </a:t>
+            </a:r>
+            <a:r>
+              <a:rPr lang="en-US" dirty="0" err="1" smtClean="0"/>
+              <a:t>jupyter</a:t>
+            </a:r>
+            <a:r>
+              <a:rPr lang="en-US" dirty="0" smtClean="0"/>
+              <a:t>   </a:t>
+            </a:r>
             <a:endParaRPr lang="en-US" dirty="0" smtClean="0"/>
           </a:p>
           <a:p>
@@ -3379,24 +4567,98 @@
             </a:pPr>
             <a:r>
               <a:rPr lang="en-US" dirty="0" smtClean="0"/>
-              <a:t>I</a:t>
-            </a:r>
-            <a:r>
-              <a:rPr lang="en-US" dirty="0" smtClean="0"/>
-              <a:t>nstall </a:t>
+              <a:t>Install </a:t>
             </a:r>
             <a:r>
               <a:rPr lang="en-US" dirty="0" err="1" smtClean="0"/>
               <a:t>scikit</a:t>
             </a:r>
             <a:r>
-              <a:rPr lang="en-US" dirty="0" smtClean="0"/>
-              <a:t> learn:</a:t>
+              <a:rPr lang="en-US" dirty="0"/>
+              <a:t>-</a:t>
+            </a:r>
+            <a:r>
+              <a:rPr lang="en-US" dirty="0" smtClean="0"/>
+              <a:t>learn : </a:t>
+            </a:r>
+          </a:p>
+          <a:p>
+            <a:pPr>
+              <a:buFont typeface="Arial" charset="0"/>
+              <a:buChar char="•"/>
+            </a:pPr>
+            <a:r>
+              <a:rPr lang="en-US" dirty="0" err="1" smtClean="0"/>
+              <a:t>conda</a:t>
+            </a:r>
+            <a:r>
+              <a:rPr lang="en-US" dirty="0" smtClean="0"/>
+              <a:t> install </a:t>
+            </a:r>
+            <a:r>
+              <a:rPr lang="en-US" dirty="0" err="1" smtClean="0"/>
+              <a:t>scikit</a:t>
+            </a:r>
+            <a:r>
+              <a:rPr lang="en-US" dirty="0" smtClean="0"/>
+              <a:t>-learn</a:t>
+            </a:r>
+          </a:p>
+          <a:p>
+            <a:pPr>
+              <a:buFont typeface="Arial" charset="0"/>
+              <a:buChar char="•"/>
+            </a:pPr>
+            <a:r>
+              <a:rPr lang="en-US" dirty="0"/>
+              <a:t>p</a:t>
+            </a:r>
+            <a:r>
+              <a:rPr lang="en-US" dirty="0" smtClean="0"/>
+              <a:t>ip install –U </a:t>
+            </a:r>
+            <a:r>
+              <a:rPr lang="en-US" dirty="0" err="1" smtClean="0"/>
+              <a:t>scikit</a:t>
+            </a:r>
+            <a:r>
+              <a:rPr lang="en-US" dirty="0" smtClean="0"/>
+              <a:t>-learn</a:t>
             </a:r>
             <a:endParaRPr lang="en-US" dirty="0"/>
           </a:p>
         </p:txBody>
       </p:sp>
+      <p:pic>
+        <p:nvPicPr>
+          <p:cNvPr id="5" name="Picture 4"/>
+          <p:cNvPicPr>
+            <a:picLocks noChangeAspect="1"/>
+          </p:cNvPicPr>
+          <p:nvPr/>
+        </p:nvPicPr>
+        <p:blipFill>
+          <a:blip r:embed="rId2" cstate="print">
+            <a:extLst>
+              <a:ext uri="{28A0092B-C50C-407E-A947-70E740481C1C}">
+                <a14:useLocalDpi xmlns:a14="http://schemas.microsoft.com/office/drawing/2010/main" val="0"/>
+              </a:ext>
+            </a:extLst>
+          </a:blip>
+          <a:stretch>
+            <a:fillRect/>
+          </a:stretch>
+        </p:blipFill>
+        <p:spPr>
+          <a:xfrm>
+            <a:off x="91247" y="6021288"/>
+            <a:ext cx="2752561" cy="787086"/>
+          </a:xfrm>
+          <a:prstGeom prst="rect">
+            <a:avLst/>
+          </a:prstGeom>
+        </p:spPr>
+      </p:pic>
     </p:spTree>
     <p:extLst>
       <p:ext uri="{BB962C8B-B14F-4D97-AF65-F5344CB8AC3E}">
@@ -3417,6 +4679,104 @@
 </p:sld>
 </file>
 
+<file path=ppt/slides/slide11.xml><?xml version="1.0" encoding="utf-8"?>
+<p:sld xmlns:a="http://schemas.openxmlformats.org/drawingml/2006/main" xmlns:r="http://schemas.openxmlformats.org/officeDocument/2006/relationships" xmlns:p="http://schemas.openxmlformats.org/presentationml/2006/main">
+  <p:cSld>
+    <p:spTree>
+      <p:nvGrpSpPr>
+        <p:cNvPr id="1" name=""/>
+        <p:cNvGrpSpPr/>
+        <p:nvPr/>
+      </p:nvGrpSpPr>
+      <p:grpSpPr>
+        <a:xfrm>
+          <a:off x="0" y="0"/>
+          <a:ext cx="0" cy="0"/>
+          <a:chOff x="0" y="0"/>
+          <a:chExt cx="0" cy="0"/>
+        </a:xfrm>
+      </p:grpSpPr>
+      <p:sp>
+        <p:nvSpPr>
+          <p:cNvPr id="2" name="Title 1"/>
+          <p:cNvSpPr>
+            <a:spLocks noGrp="1"/>
+          </p:cNvSpPr>
+          <p:nvPr>
+            <p:ph type="title"/>
+          </p:nvPr>
+        </p:nvSpPr>
+        <p:spPr/>
+        <p:txBody>
+          <a:bodyPr/>
+          <a:lstStyle/>
+          <a:p>
+            <a:endParaRPr lang="en-US" dirty="0"/>
+          </a:p>
+        </p:txBody>
+      </p:sp>
+      <p:sp>
+        <p:nvSpPr>
+          <p:cNvPr id="3" name="Content Placeholder 2"/>
+          <p:cNvSpPr>
+            <a:spLocks noGrp="1"/>
+          </p:cNvSpPr>
+          <p:nvPr>
+            <p:ph sz="quarter" idx="13"/>
+          </p:nvPr>
+        </p:nvSpPr>
+        <p:spPr/>
+        <p:txBody>
+          <a:bodyPr/>
+          <a:lstStyle/>
+          <a:p>
+            <a:endParaRPr lang="en-US" dirty="0"/>
+          </a:p>
+        </p:txBody>
+      </p:sp>
+      <p:pic>
+        <p:nvPicPr>
+          <p:cNvPr id="4" name="Picture 3"/>
+          <p:cNvPicPr>
+            <a:picLocks noChangeAspect="1"/>
+          </p:cNvPicPr>
+          <p:nvPr/>
+        </p:nvPicPr>
+        <p:blipFill>
+          <a:blip r:embed="rId2" cstate="print">
+            <a:extLst>
+              <a:ext uri="{28A0092B-C50C-407E-A947-70E740481C1C}">
+                <a14:useLocalDpi xmlns:a14="http://schemas.microsoft.com/office/drawing/2010/main" val="0"/>
+              </a:ext>
+            </a:extLst>
+          </a:blip>
+          <a:stretch>
+            <a:fillRect/>
+          </a:stretch>
+        </p:blipFill>
+        <p:spPr>
+          <a:xfrm>
+            <a:off x="91247" y="6021288"/>
+            <a:ext cx="2752561" cy="787086"/>
+          </a:xfrm>
+          <a:prstGeom prst="rect">
+            <a:avLst/>
+          </a:prstGeom>
+        </p:spPr>
+      </p:pic>
+    </p:spTree>
+    <p:extLst>
+      <p:ext uri="{BB962C8B-B14F-4D97-AF65-F5344CB8AC3E}">
+        <p14:creationId xmlns:p14="http://schemas.microsoft.com/office/powerpoint/2010/main" val="1959353109"/>
+      </p:ext>
+    </p:extLst>
+  </p:cSld>
+  <p:clrMapOvr>
+    <a:masterClrMapping/>
+  </p:clrMapOvr>
+</p:sld>
+</file>
+
 <file path=ppt/slides/slide2.xml><?xml version="1.0" encoding="utf-8"?>
 <p:sld xmlns:a="http://schemas.openxmlformats.org/drawingml/2006/main" xmlns:r="http://schemas.openxmlformats.org/officeDocument/2006/relationships" xmlns:p="http://schemas.openxmlformats.org/presentationml/2006/main">
   <p:cSld>
@@ -3451,19 +4811,7 @@
           <a:p>
             <a:r>
               <a:rPr lang="en-US" dirty="0" smtClean="0"/>
-              <a:t>What </a:t>
-            </a:r>
-            <a:r>
-              <a:rPr lang="en-US" dirty="0" smtClean="0"/>
-              <a:t>is</a:t>
-            </a:r>
-            <a:r>
-              <a:rPr lang="en-US" dirty="0" smtClean="0"/>
-              <a:t> </a:t>
-            </a:r>
-            <a:r>
-              <a:rPr lang="en-US" dirty="0" smtClean="0"/>
-              <a:t>Supervised ?</a:t>
+              <a:t>What is Supervised ?</a:t>
             </a:r>
             <a:endParaRPr lang="en-US" dirty="0"/>
           </a:p>
@@ -3476,7 +4824,7 @@
             <a:spLocks noGrp="1"/>
           </p:cNvSpPr>
           <p:nvPr>
-            <p:ph idx="1"/>
+            <p:ph sz="quarter" idx="13"/>
           </p:nvPr>
         </p:nvSpPr>
         <p:spPr/>
@@ -3500,12 +4848,13 @@
               <a:rPr lang="en-US" dirty="0" smtClean="0">
                 <a:sym typeface="Wingdings" pitchFamily="2" charset="2"/>
               </a:rPr>
-              <a:t></a:t>
-            </a:r>
-            <a:r>
-              <a:rPr lang="en-US" dirty="0" smtClean="0"/>
-              <a:t>Classification task </a:t>
-            </a:r>
+              <a:t> </a:t>
+            </a:r>
+            <a:r>
+              <a:rPr lang="en-US" dirty="0" smtClean="0"/>
+              <a:t>Classification tasks </a:t>
+            </a:r>
+            <a:endParaRPr lang="en-US" dirty="0" smtClean="0"/>
           </a:p>
           <a:p>
             <a:pPr marL="0" indent="0">
@@ -3515,12 +4864,13 @@
               <a:rPr lang="en-US" dirty="0" smtClean="0">
                 <a:sym typeface="Wingdings" pitchFamily="2" charset="2"/>
               </a:rPr>
-              <a:t></a:t>
-            </a:r>
-            <a:r>
-              <a:rPr lang="en-US" dirty="0" smtClean="0"/>
-              <a:t>Regression task</a:t>
-            </a:r>
+              <a:t> </a:t>
+            </a:r>
+            <a:r>
+              <a:rPr lang="en-US" dirty="0" smtClean="0"/>
+              <a:t>Regression  tasks</a:t>
+            </a:r>
+            <a:endParaRPr lang="en-US" dirty="0" smtClean="0"/>
           </a:p>
           <a:p>
             <a:pPr marL="0" indent="0">
@@ -3528,7 +4878,7 @@
             </a:pPr>
             <a:r>
               <a:rPr lang="en-US" dirty="0" smtClean="0"/>
-              <a:t>Both are Learning from (</a:t>
+              <a:t>Both are Learning from the (</a:t>
             </a:r>
             <a:r>
               <a:rPr lang="en-US" dirty="0" err="1" smtClean="0"/>
@@ -3538,14 +4888,13 @@
               <a:rPr lang="en-US" dirty="0" smtClean="0"/>
               <a:t>) data.</a:t>
             </a:r>
-            <a:endParaRPr lang="en-US" dirty="0" smtClean="0"/>
           </a:p>
           <a:p>
             <a:pPr marL="0" indent="0">
               <a:buNone/>
             </a:pPr>
             <a:r>
-              <a:rPr lang="en-US" dirty="0" smtClean="0"/>
+              <a:rPr lang="en-US" b="1" dirty="0" smtClean="0"/>
               <a:t>Example : </a:t>
             </a:r>
           </a:p>
@@ -3563,6 +4912,36 @@
           </a:p>
         </p:txBody>
       </p:sp>
+      <p:pic>
+        <p:nvPicPr>
+          <p:cNvPr id="5" name="Picture 4"/>
+          <p:cNvPicPr>
+            <a:picLocks noChangeAspect="1"/>
+          </p:cNvPicPr>
+          <p:nvPr/>
+        </p:nvPicPr>
+        <p:blipFill>
+          <a:blip r:embed="rId2" cstate="print">
+            <a:extLst>
+              <a:ext uri="{28A0092B-C50C-407E-A947-70E740481C1C}">
+                <a14:useLocalDpi xmlns:a14="http://schemas.microsoft.com/office/drawing/2010/main" val="0"/>
+              </a:ext>
+            </a:extLst>
+          </a:blip>
+          <a:stretch>
+            <a:fillRect/>
+          </a:stretch>
+        </p:blipFill>
+        <p:spPr>
+          <a:xfrm>
+            <a:off x="91247" y="6021288"/>
+            <a:ext cx="2752561" cy="787086"/>
+          </a:xfrm>
+          <a:prstGeom prst="rect">
+            <a:avLst/>
+          </a:prstGeom>
+        </p:spPr>
+      </p:pic>
     </p:spTree>
     <p:extLst>
       <p:ext uri="{BB962C8B-B14F-4D97-AF65-F5344CB8AC3E}">
@@ -3630,7 +5009,7 @@
             <a:spLocks noGrp="1"/>
           </p:cNvSpPr>
           <p:nvPr>
-            <p:ph idx="1"/>
+            <p:ph sz="quarter" idx="13"/>
           </p:nvPr>
         </p:nvSpPr>
         <p:spPr/>
@@ -3656,7 +5035,15 @@
             </a:pPr>
             <a:r>
               <a:rPr lang="en-US" dirty="0" smtClean="0"/>
-              <a:t>*Hypotheses Space </a:t>
+              <a:t>* </a:t>
+            </a:r>
+            <a:r>
+              <a:rPr lang="en-US" i="1" dirty="0" smtClean="0"/>
+              <a:t>Hypotheses </a:t>
+            </a:r>
+            <a:r>
+              <a:rPr lang="en-US" i="1" dirty="0" smtClean="0"/>
+              <a:t>Space </a:t>
             </a:r>
             <a:r>
               <a:rPr lang="en-US" dirty="0" smtClean="0">
@@ -3675,7 +5062,15 @@
             </a:pPr>
             <a:r>
               <a:rPr lang="en-US" dirty="0" smtClean="0"/>
-              <a:t>*Evaluation </a:t>
+              <a:t>* </a:t>
+            </a:r>
+            <a:r>
+              <a:rPr lang="en-US" i="1" dirty="0" smtClean="0"/>
+              <a:t>Evaluation</a:t>
+            </a:r>
+            <a:r>
+              <a:rPr lang="en-US" dirty="0" smtClean="0"/>
+              <a:t> </a:t>
             </a:r>
             <a:r>
               <a:rPr lang="en-US" dirty="0" smtClean="0">
@@ -3691,7 +5086,15 @@
             </a:pPr>
             <a:r>
               <a:rPr lang="en-US" dirty="0" smtClean="0"/>
-              <a:t>*Optimization </a:t>
+              <a:t>* </a:t>
+            </a:r>
+            <a:r>
+              <a:rPr lang="en-US" i="1" dirty="0" smtClean="0"/>
+              <a:t>Optimization</a:t>
+            </a:r>
+            <a:r>
+              <a:rPr lang="en-US" dirty="0" smtClean="0"/>
+              <a:t> </a:t>
             </a:r>
             <a:r>
               <a:rPr lang="en-US" dirty="0" smtClean="0">
@@ -3708,6 +5111,36 @@
           </a:p>
         </p:txBody>
       </p:sp>
+      <p:pic>
+        <p:nvPicPr>
+          <p:cNvPr id="5" name="Picture 4"/>
+          <p:cNvPicPr>
+            <a:picLocks noChangeAspect="1"/>
+          </p:cNvPicPr>
+          <p:nvPr/>
+        </p:nvPicPr>
+        <p:blipFill>
+          <a:blip r:embed="rId2" cstate="print">
+            <a:extLst>
+              <a:ext uri="{28A0092B-C50C-407E-A947-70E740481C1C}">
+                <a14:useLocalDpi xmlns:a14="http://schemas.microsoft.com/office/drawing/2010/main" val="0"/>
+              </a:ext>
+            </a:extLst>
+          </a:blip>
+          <a:stretch>
+            <a:fillRect/>
+          </a:stretch>
+        </p:blipFill>
+        <p:spPr>
+          <a:xfrm>
+            <a:off x="91247" y="6021288"/>
+            <a:ext cx="2752561" cy="787086"/>
+          </a:xfrm>
+          <a:prstGeom prst="rect">
+            <a:avLst/>
+          </a:prstGeom>
+        </p:spPr>
+      </p:pic>
     </p:spTree>
     <p:extLst>
       <p:ext uri="{BB962C8B-B14F-4D97-AF65-F5344CB8AC3E}">
@@ -3745,8 +5178,8 @@
           <a:chExt cx="0" cy="0"/>
         </a:xfrm>
       </p:grpSpPr>
-      <mc:AlternateContent xmlns:mc="http://schemas.openxmlformats.org/markup-compatibility/2006" xmlns:a14="http://schemas.microsoft.com/office/drawing/2010/main">
-        <mc:Choice Requires="a14">
+      <mc:AlternateContent xmlns:mc="http://schemas.openxmlformats.org/markup-compatibility/2006">
+        <mc:Choice xmlns:a14="http://schemas.microsoft.com/office/drawing/2010/main" Requires="a14">
           <p:sp>
             <p:nvSpPr>
               <p:cNvPr id="3" name="Content Placeholder 2"/>
@@ -3754,7 +5187,7 @@
                 <a:spLocks noGrp="1"/>
               </p:cNvSpPr>
               <p:nvPr>
-                <p:ph idx="1"/>
+                <p:ph sz="quarter" idx="13"/>
               </p:nvPr>
             </p:nvSpPr>
             <p:spPr>
@@ -3765,7 +5198,7 @@
             </p:spPr>
             <p:txBody>
               <a:bodyPr>
-                <a:normAutofit fontScale="92500" lnSpcReduction="10000"/>
+                <a:normAutofit/>
               </a:bodyPr>
               <a:lstStyle/>
               <a:p>
@@ -3773,9 +5206,19 @@
                   <a:buNone/>
                 </a:pPr>
                 <a:r>
-                  <a:rPr lang="en-US" dirty="0" smtClean="0"/>
-                  <a:t>For Example :</a:t>
+                  <a:rPr lang="en-US" sz="2000" b="1" dirty="0" smtClean="0"/>
+                  <a:t>For Example </a:t>
                 </a:r>
+                <a:r>
+                  <a:rPr lang="en-US" sz="2000" b="1" dirty="0" smtClean="0"/>
+                  <a:t>:</a:t>
+                </a:r>
+              </a:p>
+              <a:p>
+                <a:pPr marL="0" indent="0">
+                  <a:buNone/>
+                </a:pPr>
+                <a:endParaRPr lang="en-US" b="1" dirty="0" smtClean="0"/>
               </a:p>
               <a:p>
                 <a:pPr marL="0" indent="0">
@@ -3796,7 +5239,11 @@
                 </a:pPr>
                 <a:r>
                   <a:rPr lang="en-US" dirty="0" smtClean="0"/>
-                  <a:t>*Model Reps. </a:t>
+                  <a:t>* Model </a:t>
+                </a:r>
+                <a:r>
+                  <a:rPr lang="en-US" dirty="0" smtClean="0"/>
+                  <a:t>Reps. </a:t>
                 </a:r>
                 <a:r>
                   <a:rPr lang="en-US" dirty="0" smtClean="0">
@@ -3900,7 +5347,7 @@
                 </a:pPr>
                 <a:r>
                   <a:rPr lang="en-US" dirty="0" smtClean="0"/>
-                  <a:t>*Evaluation </a:t>
+                  <a:t>* Evaluation </a:t>
                 </a:r>
                 <a:r>
                   <a:rPr lang="en-US" dirty="0" smtClean="0">
@@ -4047,7 +5494,7 @@
                 </a:pPr>
                 <a:r>
                   <a:rPr lang="en-US" dirty="0" smtClean="0"/>
-                  <a:t>*Optimization </a:t>
+                  <a:t>* Optimization </a:t>
                 </a:r>
                 <a:r>
                   <a:rPr lang="en-US" dirty="0" smtClean="0">
@@ -4064,7 +5511,13 @@
                   <a:rPr lang="en-US" dirty="0" smtClean="0">
                     <a:sym typeface="Wingdings" pitchFamily="2" charset="2"/>
                   </a:rPr>
-                  <a:t>Another Ex. is</a:t>
+                  <a:t>Another </a:t>
+                </a:r>
+                <a:r>
+                  <a:rPr lang="en-US" dirty="0" smtClean="0">
+                    <a:sym typeface="Wingdings" pitchFamily="2" charset="2"/>
+                  </a:rPr>
+                  <a:t>Ex. is</a:t>
                 </a:r>
               </a:p>
               <a:p>
@@ -4092,7 +5545,13 @@
                   <a:rPr lang="en-US" dirty="0" smtClean="0">
                     <a:sym typeface="Wingdings" pitchFamily="2" charset="2"/>
                   </a:rPr>
-                  <a:t>*Model Reps.  </a:t>
+                  <a:t>* Model </a:t>
+                </a:r>
+                <a:r>
+                  <a:rPr lang="en-US" dirty="0" smtClean="0">
+                    <a:sym typeface="Wingdings" pitchFamily="2" charset="2"/>
+                  </a:rPr>
+                  <a:t>Reps.  </a:t>
                 </a:r>
                 <a14:m>
                   <m:oMath xmlns:m="http://schemas.openxmlformats.org/officeDocument/2006/math">
@@ -4165,7 +5624,13 @@
                   <a:rPr lang="en-US" dirty="0" smtClean="0">
                     <a:sym typeface="Wingdings" pitchFamily="2" charset="2"/>
                   </a:rPr>
-                  <a:t>*Evaluation  Log Likelihood</a:t>
+                  <a:t>* Evaluation </a:t>
+                </a:r>
+                <a:r>
+                  <a:rPr lang="en-US" dirty="0" smtClean="0">
+                    <a:sym typeface="Wingdings" pitchFamily="2" charset="2"/>
+                  </a:rPr>
+                  <a:t> Log Likelihood</a:t>
                 </a:r>
               </a:p>
               <a:p>
@@ -4210,7 +5675,7 @@
             </p:txBody>
           </p:sp>
         </mc:Choice>
-        <mc:Fallback xmlns="">
+        <mc:Fallback>
           <p:sp>
             <p:nvSpPr>
               <p:cNvPr id="3" name="Content Placeholder 2"/>
@@ -4218,7 +5683,7 @@
                 <a:spLocks noGrp="1" noRot="1" noChangeAspect="1" noMove="1" noResize="1" noEditPoints="1" noAdjustHandles="1" noChangeArrowheads="1" noChangeShapeType="1" noTextEdit="1"/>
               </p:cNvSpPr>
               <p:nvPr>
-                <p:ph idx="1"/>
+                <p:ph sz="quarter" idx="13"/>
               </p:nvPr>
             </p:nvSpPr>
             <p:spPr>
@@ -4229,7 +5694,7 @@
               <a:blipFill rotWithShape="1">
                 <a:blip r:embed="rId2"/>
                 <a:stretch>
-                  <a:fillRect l="-1704" t="-2105"/>
+                  <a:fillRect l="-741" t="-526"/>
                 </a:stretch>
               </a:blipFill>
             </p:spPr>
@@ -4248,6 +5713,36 @@
           </p:sp>
         </mc:Fallback>
       </mc:AlternateContent>
+      <p:pic>
+        <p:nvPicPr>
+          <p:cNvPr id="5" name="Picture 4"/>
+          <p:cNvPicPr>
+            <a:picLocks noChangeAspect="1"/>
+          </p:cNvPicPr>
+          <p:nvPr/>
+        </p:nvPicPr>
+        <p:blipFill>
+          <a:blip r:embed="rId3" cstate="print">
+            <a:extLst>
+              <a:ext uri="{28A0092B-C50C-407E-A947-70E740481C1C}">
+                <a14:useLocalDpi xmlns:a14="http://schemas.microsoft.com/office/drawing/2010/main" val="0"/>
+              </a:ext>
+            </a:extLst>
+          </a:blip>
+          <a:stretch>
+            <a:fillRect/>
+          </a:stretch>
+        </p:blipFill>
+        <p:spPr>
+          <a:xfrm>
+            <a:off x="91247" y="6021288"/>
+            <a:ext cx="2752561" cy="787086"/>
+          </a:xfrm>
+          <a:prstGeom prst="rect">
+            <a:avLst/>
+          </a:prstGeom>
+        </p:spPr>
+      </p:pic>
     </p:spTree>
     <p:extLst>
       <p:ext uri="{BB962C8B-B14F-4D97-AF65-F5344CB8AC3E}">
@@ -4258,6 +5753,13 @@
   <p:clrMapOvr>
     <a:masterClrMapping/>
   </p:clrMapOvr>
+  <p:timing>
+    <p:tnLst>
+      <p:par>
+        <p:cTn id="1" dur="indefinite" restart="never" nodeType="tmRoot"/>
+      </p:par>
+    </p:tnLst>
+  </p:timing>
 </p:sld>
 </file>
 
@@ -4308,7 +5810,7 @@
             <a:spLocks noGrp="1"/>
           </p:cNvSpPr>
           <p:nvPr>
-            <p:ph idx="1"/>
+            <p:ph sz="quarter" idx="13"/>
           </p:nvPr>
         </p:nvSpPr>
         <p:spPr/>
@@ -4318,15 +5820,7 @@
           <a:p>
             <a:r>
               <a:rPr lang="en-US" dirty="0" smtClean="0"/>
-              <a:t>Classification : The ability to differentiate what the </a:t>
-            </a:r>
-            <a:r>
-              <a:rPr lang="en-US" smtClean="0"/>
-              <a:t>new data </a:t>
-            </a:r>
-            <a:r>
-              <a:rPr lang="en-US" dirty="0" smtClean="0"/>
-              <a:t>belongs to (the class)  </a:t>
+              <a:t>Classification : The ability to differentiate what the new data belongs to (the class)  </a:t>
             </a:r>
           </a:p>
           <a:p>
@@ -4334,7 +5828,7 @@
               <a:buNone/>
             </a:pPr>
             <a:r>
-              <a:rPr lang="en-US" dirty="0" smtClean="0"/>
+              <a:rPr lang="en-US" b="1" dirty="0" smtClean="0"/>
               <a:t>Example : </a:t>
             </a:r>
           </a:p>
@@ -4357,7 +5851,7 @@
               <a:buNone/>
             </a:pPr>
             <a:r>
-              <a:rPr lang="en-US" dirty="0" smtClean="0"/>
+              <a:rPr lang="en-US" b="1" dirty="0" smtClean="0"/>
               <a:t>Example :</a:t>
             </a:r>
           </a:p>
@@ -4381,6 +5875,36 @@
           </a:p>
         </p:txBody>
       </p:sp>
+      <p:pic>
+        <p:nvPicPr>
+          <p:cNvPr id="5" name="Picture 4"/>
+          <p:cNvPicPr>
+            <a:picLocks noChangeAspect="1"/>
+          </p:cNvPicPr>
+          <p:nvPr/>
+        </p:nvPicPr>
+        <p:blipFill>
+          <a:blip r:embed="rId2" cstate="print">
+            <a:extLst>
+              <a:ext uri="{28A0092B-C50C-407E-A947-70E740481C1C}">
+                <a14:useLocalDpi xmlns:a14="http://schemas.microsoft.com/office/drawing/2010/main" val="0"/>
+              </a:ext>
+            </a:extLst>
+          </a:blip>
+          <a:stretch>
+            <a:fillRect/>
+          </a:stretch>
+        </p:blipFill>
+        <p:spPr>
+          <a:xfrm>
+            <a:off x="91247" y="6021288"/>
+            <a:ext cx="2752561" cy="787086"/>
+          </a:xfrm>
+          <a:prstGeom prst="rect">
+            <a:avLst/>
+          </a:prstGeom>
+        </p:spPr>
+      </p:pic>
     </p:spTree>
     <p:extLst>
       <p:ext uri="{BB962C8B-B14F-4D97-AF65-F5344CB8AC3E}">
@@ -4452,7 +5976,7 @@
             <a:spLocks noGrp="1"/>
           </p:cNvSpPr>
           <p:nvPr>
-            <p:ph idx="1"/>
+            <p:ph sz="quarter" idx="13"/>
           </p:nvPr>
         </p:nvSpPr>
         <p:spPr/>
@@ -4473,22 +5997,26 @@
           </a:p>
           <a:p>
             <a:r>
-              <a:rPr lang="en-US" smtClean="0"/>
+              <a:rPr lang="en-US" dirty="0" smtClean="0"/>
               <a:t>Medical </a:t>
             </a:r>
-            <a:endParaRPr lang="en-US" dirty="0" smtClean="0"/>
           </a:p>
           <a:p>
             <a:r>
               <a:rPr lang="en-US" dirty="0" smtClean="0"/>
               <a:t>Security (Fraud detection)</a:t>
             </a:r>
-            <a:endParaRPr lang="en-US" dirty="0" smtClean="0"/>
           </a:p>
           <a:p>
             <a:r>
               <a:rPr lang="en-US" dirty="0" smtClean="0"/>
               <a:t>Internet</a:t>
+            </a:r>
+          </a:p>
+          <a:p>
+            <a:r>
+              <a:rPr lang="en-US" dirty="0" smtClean="0"/>
+              <a:t>Industry</a:t>
             </a:r>
           </a:p>
           <a:p>
@@ -4508,6 +6036,36 @@
           </a:p>
         </p:txBody>
       </p:sp>
+      <p:pic>
+        <p:nvPicPr>
+          <p:cNvPr id="5" name="Picture 4"/>
+          <p:cNvPicPr>
+            <a:picLocks noChangeAspect="1"/>
+          </p:cNvPicPr>
+          <p:nvPr/>
+        </p:nvPicPr>
+        <p:blipFill>
+          <a:blip r:embed="rId2" cstate="print">
+            <a:extLst>
+              <a:ext uri="{28A0092B-C50C-407E-A947-70E740481C1C}">
+                <a14:useLocalDpi xmlns:a14="http://schemas.microsoft.com/office/drawing/2010/main" val="0"/>
+              </a:ext>
+            </a:extLst>
+          </a:blip>
+          <a:stretch>
+            <a:fillRect/>
+          </a:stretch>
+        </p:blipFill>
+        <p:spPr>
+          <a:xfrm>
+            <a:off x="91247" y="6021288"/>
+            <a:ext cx="2752561" cy="787086"/>
+          </a:xfrm>
+          <a:prstGeom prst="rect">
+            <a:avLst/>
+          </a:prstGeom>
+        </p:spPr>
+      </p:pic>
     </p:spTree>
     <p:extLst>
       <p:ext uri="{BB962C8B-B14F-4D97-AF65-F5344CB8AC3E}">
@@ -4558,7 +6116,7 @@
         <p:spPr/>
         <p:txBody>
           <a:bodyPr>
-            <a:normAutofit fontScale="90000"/>
+            <a:normAutofit/>
           </a:bodyPr>
           <a:lstStyle/>
           <a:p>
@@ -4581,7 +6139,7 @@
             <a:spLocks noGrp="1"/>
           </p:cNvSpPr>
           <p:nvPr>
-            <p:ph idx="1"/>
+            <p:ph sz="quarter" idx="13"/>
           </p:nvPr>
         </p:nvSpPr>
         <p:spPr/>
@@ -4627,11 +6185,7 @@
             </a:pPr>
             <a:r>
               <a:rPr lang="en-US" dirty="0" smtClean="0"/>
-              <a:t>Logistic </a:t>
-            </a:r>
-            <a:r>
-              <a:rPr lang="en-US" dirty="0" smtClean="0"/>
-              <a:t>Regression</a:t>
+              <a:t>Logistic Regression</a:t>
             </a:r>
           </a:p>
           <a:p>
@@ -4644,6 +6198,21 @@
             </a:r>
           </a:p>
           <a:p>
+            <a:pPr marL="514350" indent="-514350">
+              <a:buAutoNum type="arabicPeriod"/>
+            </a:pPr>
+            <a:r>
+              <a:rPr lang="en-US" dirty="0" smtClean="0"/>
+              <a:t>&amp; So on</a:t>
+            </a:r>
+          </a:p>
+          <a:p>
+            <a:pPr marL="0" indent="0">
+              <a:buNone/>
+            </a:pPr>
+            <a:endParaRPr lang="en-US" dirty="0" smtClean="0"/>
+          </a:p>
+          <a:p>
             <a:pPr marL="0" indent="0">
               <a:buNone/>
             </a:pPr>
@@ -4651,6 +6220,36 @@
           </a:p>
         </p:txBody>
       </p:sp>
+      <p:pic>
+        <p:nvPicPr>
+          <p:cNvPr id="5" name="Picture 4"/>
+          <p:cNvPicPr>
+            <a:picLocks noChangeAspect="1"/>
+          </p:cNvPicPr>
+          <p:nvPr/>
+        </p:nvPicPr>
+        <p:blipFill>
+          <a:blip r:embed="rId2" cstate="print">
+            <a:extLst>
+              <a:ext uri="{28A0092B-C50C-407E-A947-70E740481C1C}">
+                <a14:useLocalDpi xmlns:a14="http://schemas.microsoft.com/office/drawing/2010/main" val="0"/>
+              </a:ext>
+            </a:extLst>
+          </a:blip>
+          <a:stretch>
+            <a:fillRect/>
+          </a:stretch>
+        </p:blipFill>
+        <p:spPr>
+          <a:xfrm>
+            <a:off x="91247" y="6021288"/>
+            <a:ext cx="2752561" cy="787086"/>
+          </a:xfrm>
+          <a:prstGeom prst="rect">
+            <a:avLst/>
+          </a:prstGeom>
+        </p:spPr>
+      </p:pic>
     </p:spTree>
     <p:extLst>
       <p:ext uri="{BB962C8B-B14F-4D97-AF65-F5344CB8AC3E}">
@@ -4718,7 +6317,7 @@
             <a:spLocks noGrp="1"/>
           </p:cNvSpPr>
           <p:nvPr>
-            <p:ph idx="1"/>
+            <p:ph sz="quarter" idx="13"/>
           </p:nvPr>
         </p:nvSpPr>
         <p:spPr/>
@@ -4763,7 +6362,6 @@
               <a:rPr lang="en-US" dirty="0" smtClean="0"/>
               <a:t>Kernel Methods</a:t>
             </a:r>
-            <a:endParaRPr lang="en-US" dirty="0" smtClean="0"/>
           </a:p>
           <a:p>
             <a:pPr marL="0" indent="0">
@@ -4780,13 +6378,8 @@
             </a:pPr>
             <a:r>
               <a:rPr lang="en-US" dirty="0" smtClean="0"/>
-              <a:t>Ensemble </a:t>
-            </a:r>
-            <a:r>
-              <a:rPr lang="en-US" dirty="0" smtClean="0"/>
-              <a:t>Methods</a:t>
-            </a:r>
-            <a:endParaRPr lang="en-US" dirty="0" smtClean="0"/>
+              <a:t>Ensemble Methods</a:t>
+            </a:r>
           </a:p>
           <a:p>
             <a:pPr marL="0" indent="0">
@@ -4809,6 +6402,36 @@
           </a:p>
         </p:txBody>
       </p:sp>
+      <p:pic>
+        <p:nvPicPr>
+          <p:cNvPr id="5" name="Picture 4"/>
+          <p:cNvPicPr>
+            <a:picLocks noChangeAspect="1"/>
+          </p:cNvPicPr>
+          <p:nvPr/>
+        </p:nvPicPr>
+        <p:blipFill>
+          <a:blip r:embed="rId2" cstate="print">
+            <a:extLst>
+              <a:ext uri="{28A0092B-C50C-407E-A947-70E740481C1C}">
+                <a14:useLocalDpi xmlns:a14="http://schemas.microsoft.com/office/drawing/2010/main" val="0"/>
+              </a:ext>
+            </a:extLst>
+          </a:blip>
+          <a:stretch>
+            <a:fillRect/>
+          </a:stretch>
+        </p:blipFill>
+        <p:spPr>
+          <a:xfrm>
+            <a:off x="91247" y="6021288"/>
+            <a:ext cx="2752561" cy="787086"/>
+          </a:xfrm>
+          <a:prstGeom prst="rect">
+            <a:avLst/>
+          </a:prstGeom>
+        </p:spPr>
+      </p:pic>
     </p:spTree>
     <p:extLst>
       <p:ext uri="{BB962C8B-B14F-4D97-AF65-F5344CB8AC3E}">
@@ -4865,13 +6488,7 @@
               <a:rPr lang="en-US" b="1" dirty="0" smtClean="0">
                 <a:latin typeface="Cambria" pitchFamily="18" charset="0"/>
               </a:rPr>
-              <a:t>Learning </a:t>
-            </a:r>
-            <a:r>
-              <a:rPr lang="en-US" b="1" dirty="0" smtClean="0">
-                <a:latin typeface="Cambria" pitchFamily="18" charset="0"/>
-              </a:rPr>
-              <a:t>ML</a:t>
+              <a:t>Learning ML</a:t>
             </a:r>
             <a:endParaRPr lang="en-US" b="1" dirty="0">
               <a:latin typeface="Cambria" pitchFamily="18" charset="0"/>
@@ -4886,13 +6503,13 @@
             <a:spLocks noGrp="1"/>
           </p:cNvSpPr>
           <p:nvPr>
-            <p:ph idx="1"/>
+            <p:ph sz="quarter" idx="13"/>
           </p:nvPr>
         </p:nvSpPr>
         <p:spPr/>
         <p:txBody>
           <a:bodyPr>
-            <a:normAutofit lnSpcReduction="10000"/>
+            <a:normAutofit/>
           </a:bodyPr>
           <a:lstStyle/>
           <a:p>
@@ -4901,11 +6518,7 @@
             </a:pPr>
             <a:r>
               <a:rPr lang="en-US" dirty="0" smtClean="0"/>
-              <a:t>Textbooks </a:t>
-            </a:r>
-            <a:r>
-              <a:rPr lang="en-US" dirty="0" smtClean="0"/>
-              <a:t>:</a:t>
+              <a:t>Textbooks :</a:t>
             </a:r>
           </a:p>
           <a:p>
@@ -4978,6 +6591,36 @@
           </a:p>
         </p:txBody>
       </p:sp>
+      <p:pic>
+        <p:nvPicPr>
+          <p:cNvPr id="5" name="Picture 4"/>
+          <p:cNvPicPr>
+            <a:picLocks noChangeAspect="1"/>
+          </p:cNvPicPr>
+          <p:nvPr/>
+        </p:nvPicPr>
+        <p:blipFill>
+          <a:blip r:embed="rId2" cstate="print">
+            <a:extLst>
+              <a:ext uri="{28A0092B-C50C-407E-A947-70E740481C1C}">
+                <a14:useLocalDpi xmlns:a14="http://schemas.microsoft.com/office/drawing/2010/main" val="0"/>
+              </a:ext>
+            </a:extLst>
+          </a:blip>
+          <a:stretch>
+            <a:fillRect/>
+          </a:stretch>
+        </p:blipFill>
+        <p:spPr>
+          <a:xfrm>
+            <a:off x="91247" y="6021288"/>
+            <a:ext cx="2752561" cy="787086"/>
+          </a:xfrm>
+          <a:prstGeom prst="rect">
+            <a:avLst/>
+          </a:prstGeom>
+        </p:spPr>
+      </p:pic>
     </p:spTree>
     <p:extLst>
       <p:ext uri="{BB962C8B-B14F-4D97-AF65-F5344CB8AC3E}">
@@ -4999,6 +6642,297 @@
 </file>
 
 <file path=ppt/theme/theme1.xml><?xml version="1.0" encoding="utf-8"?>
+<a:theme xmlns:a="http://schemas.openxmlformats.org/drawingml/2006/main" name="Horizon">
+  <a:themeElements>
+    <a:clrScheme name="Horizon">
+      <a:dk1>
+        <a:srgbClr val="000000"/>
+      </a:dk1>
+      <a:lt1>
+        <a:srgbClr val="FFFFFF"/>
+      </a:lt1>
+      <a:dk2>
+        <a:srgbClr val="1F2123"/>
+      </a:dk2>
+      <a:lt2>
+        <a:srgbClr val="DC9E1F"/>
+      </a:lt2>
+      <a:accent1>
+        <a:srgbClr val="7E97AD"/>
+      </a:accent1>
+      <a:accent2>
+        <a:srgbClr val="CC8E60"/>
+      </a:accent2>
+      <a:accent3>
+        <a:srgbClr val="7A6A60"/>
+      </a:accent3>
+      <a:accent4>
+        <a:srgbClr val="B4936D"/>
+      </a:accent4>
+      <a:accent5>
+        <a:srgbClr val="67787B"/>
+      </a:accent5>
+      <a:accent6>
+        <a:srgbClr val="9D936F"/>
+      </a:accent6>
+      <a:hlink>
+        <a:srgbClr val="646464"/>
+      </a:hlink>
+      <a:folHlink>
+        <a:srgbClr val="969696"/>
+      </a:folHlink>
+    </a:clrScheme>
+    <a:fontScheme name="Horizon">
+      <a:majorFont>
+        <a:latin typeface="Arial Narrow"/>
+        <a:ea typeface=""/>
+        <a:cs typeface=""/>
+        <a:font script="Jpan" typeface="HGｺﾞｼｯｸM"/>
+        <a:font script="Hang" typeface="HY얕은샘물M"/>
+        <a:font script="Hans" typeface="方正姚体"/>
+        <a:font script="Hant" typeface="微軟正黑體"/>
+        <a:font script="Arab" typeface="Arial"/>
+        <a:font script="Hebr" typeface="Levenim MT"/>
+        <a:font script="Thai" typeface="FreesiaUPC"/>
+        <a:font script="Ethi" typeface="Nyala"/>
+        <a:font script="Beng" typeface="Vrinda"/>
+        <a:font script="Gujr" typeface="Shruti"/>
+        <a:font script="Khmr" typeface="DaunPenh"/>
+        <a:font script="Knda" typeface="Tunga"/>
+        <a:font script="Guru" typeface="Raavi"/>
+        <a:font script="Cans" typeface="Euphemia"/>
+        <a:font script="Cher" typeface="Plantagenet Cherokee"/>
+        <a:font script="Yiii" typeface="Microsoft Yi Baiti"/>
+        <a:font script="Tibt" typeface="Microsoft Himalaya"/>
+        <a:font script="Thaa" typeface="MV Boli"/>
+        <a:font script="Deva" typeface="Mangal"/>
+        <a:font script="Telu" typeface="Gautami"/>
+        <a:font script="Taml" typeface="Latha"/>
+        <a:font script="Syrc" typeface="Estrangelo Edessa"/>
+        <a:font script="Orya" typeface="Kalinga"/>
+        <a:font script="Mlym" typeface="Kartika"/>
+        <a:font script="Laoo" typeface="DokChampa"/>
+        <a:font script="Sinh" typeface="Iskoola Pota"/>
+        <a:font script="Mong" typeface="Mongolian Baiti"/>
+        <a:font script="Viet" typeface="Tahoma"/>
+        <a:font script="Uigh" typeface="Microsoft Uighur"/>
+        <a:font script="Geor" typeface="Sylfaen"/>
+      </a:majorFont>
+      <a:minorFont>
+        <a:latin typeface="Arial Narrow"/>
+        <a:ea typeface=""/>
+        <a:cs typeface=""/>
+        <a:font script="Jpan" typeface="HGｺﾞｼｯｸM"/>
+        <a:font script="Hang" typeface="HY얕은샘물M"/>
+        <a:font script="Hans" typeface="方正姚体"/>
+        <a:font script="Hant" typeface="微軟正黑體"/>
+        <a:font script="Arab" typeface="Arial"/>
+        <a:font script="Hebr" typeface="Levenim MT"/>
+        <a:font script="Thai" typeface="FreesiaUPC"/>
+        <a:font script="Ethi" typeface="Nyala"/>
+        <a:font script="Beng" typeface="Vrinda"/>
+        <a:font script="Gujr" typeface="Shruti"/>
+        <a:font script="Khmr" typeface="DaunPenh"/>
+        <a:font script="Knda" typeface="Tunga"/>
+        <a:font script="Guru" typeface="Raavi"/>
+        <a:font script="Cans" typeface="Euphemia"/>
+        <a:font script="Cher" typeface="Plantagenet Cherokee"/>
+        <a:font script="Yiii" typeface="Microsoft Yi Baiti"/>
+        <a:font script="Tibt" typeface="Microsoft Himalaya"/>
+        <a:font script="Thaa" typeface="MV Boli"/>
+        <a:font script="Deva" typeface="Mangal"/>
+        <a:font script="Telu" typeface="Gautami"/>
+        <a:font script="Taml" typeface="Latha"/>
+        <a:font script="Syrc" typeface="Estrangelo Edessa"/>
+        <a:font script="Orya" typeface="Kalinga"/>
+        <a:font script="Mlym" typeface="Kartika"/>
+        <a:font script="Laoo" typeface="DokChampa"/>
+        <a:font script="Sinh" typeface="Iskoola Pota"/>
+        <a:font script="Mong" typeface="Mongolian Baiti"/>
+        <a:font script="Viet" typeface="Tahoma"/>
+        <a:font script="Uigh" typeface="Microsoft Uighur"/>
+        <a:font script="Geor" typeface="Sylfaen"/>
+      </a:minorFont>
+    </a:fontScheme>
+    <a:fmtScheme name="Horizon">
+      <a:fillStyleLst>
+        <a:solidFill>
+          <a:schemeClr val="phClr"/>
+        </a:solidFill>
+        <a:gradFill rotWithShape="1">
+          <a:gsLst>
+            <a:gs pos="0">
+              <a:schemeClr val="phClr">
+                <a:tint val="83000"/>
+                <a:shade val="100000"/>
+                <a:satMod val="100000"/>
+              </a:schemeClr>
+            </a:gs>
+            <a:gs pos="100000">
+              <a:schemeClr val="phClr">
+                <a:tint val="61000"/>
+                <a:alpha val="100000"/>
+                <a:satMod val="200000"/>
+              </a:schemeClr>
+            </a:gs>
+          </a:gsLst>
+          <a:path path="circle">
+            <a:fillToRect l="100000" t="100000" r="100000" b="100000"/>
+          </a:path>
+        </a:gradFill>
+        <a:gradFill rotWithShape="1">
+          <a:gsLst>
+            <a:gs pos="0">
+              <a:schemeClr val="phClr">
+                <a:shade val="85000"/>
+              </a:schemeClr>
+            </a:gs>
+            <a:gs pos="100000">
+              <a:schemeClr val="phClr">
+                <a:tint val="90000"/>
+                <a:alpha val="100000"/>
+                <a:satMod val="200000"/>
+              </a:schemeClr>
+            </a:gs>
+          </a:gsLst>
+          <a:path path="circle">
+            <a:fillToRect l="100000" t="100000" r="100000" b="100000"/>
+          </a:path>
+        </a:gradFill>
+      </a:fillStyleLst>
+      <a:lnStyleLst>
+        <a:ln w="9525" cap="flat" cmpd="sng" algn="ctr">
+          <a:solidFill>
+            <a:schemeClr val="phClr"/>
+          </a:solidFill>
+          <a:prstDash val="solid"/>
+        </a:ln>
+        <a:ln w="10795" cap="flat" cmpd="sng" algn="ctr">
+          <a:solidFill>
+            <a:schemeClr val="phClr"/>
+          </a:solidFill>
+          <a:prstDash val="solid"/>
+        </a:ln>
+        <a:ln w="15240" cap="flat" cmpd="sng" algn="ctr">
+          <a:solidFill>
+            <a:schemeClr val="phClr">
+              <a:tint val="25000"/>
+              <a:alpha val="25000"/>
+            </a:schemeClr>
+          </a:solidFill>
+          <a:prstDash val="solid"/>
+        </a:ln>
+      </a:lnStyleLst>
+      <a:effectStyleLst>
+        <a:effectStyle>
+          <a:effectLst>
+            <a:outerShdw blurRad="38100" dist="25400" dir="5400000" rotWithShape="0">
+              <a:srgbClr val="000000">
+                <a:alpha val="40000"/>
+              </a:srgbClr>
+            </a:outerShdw>
+          </a:effectLst>
+        </a:effectStyle>
+        <a:effectStyle>
+          <a:effectLst>
+            <a:outerShdw blurRad="50800" dist="42924" dir="5400000" rotWithShape="0">
+              <a:srgbClr val="000000">
+                <a:alpha val="40000"/>
+              </a:srgbClr>
+            </a:outerShdw>
+          </a:effectLst>
+        </a:effectStyle>
+        <a:effectStyle>
+          <a:effectLst>
+            <a:outerShdw blurRad="50800" dist="25400" dir="5400000" rotWithShape="0">
+              <a:srgbClr val="000000">
+                <a:alpha val="40000"/>
+              </a:srgbClr>
+            </a:outerShdw>
+          </a:effectLst>
+          <a:scene3d>
+            <a:camera prst="orthographicFront">
+              <a:rot lat="0" lon="0" rev="0"/>
+            </a:camera>
+            <a:lightRig rig="flat" dir="t">
+              <a:rot lat="0" lon="0" rev="3600000"/>
+            </a:lightRig>
+          </a:scene3d>
+          <a:sp3d prstMaterial="flat">
+            <a:bevelT w="34925" h="47625" prst="coolSlant"/>
+          </a:sp3d>
+        </a:effectStyle>
+      </a:effectStyleLst>
+      <a:bgFillStyleLst>
+        <a:solidFill>
+          <a:schemeClr val="phClr"/>
+        </a:solidFill>
+        <a:gradFill rotWithShape="1">
+          <a:gsLst>
+            <a:gs pos="0">
+              <a:schemeClr val="phClr">
+                <a:tint val="96000"/>
+                <a:shade val="100000"/>
+                <a:alpha val="100000"/>
+                <a:satMod val="140000"/>
+              </a:schemeClr>
+            </a:gs>
+            <a:gs pos="31000">
+              <a:schemeClr val="phClr">
+                <a:tint val="100000"/>
+                <a:shade val="90000"/>
+                <a:alpha val="100000"/>
+              </a:schemeClr>
+            </a:gs>
+            <a:gs pos="100000">
+              <a:schemeClr val="phClr">
+                <a:tint val="100000"/>
+                <a:shade val="80000"/>
+                <a:alpha val="100000"/>
+              </a:schemeClr>
+            </a:gs>
+          </a:gsLst>
+          <a:lin ang="5400000" scaled="0"/>
+        </a:gradFill>
+        <a:gradFill rotWithShape="1">
+          <a:gsLst>
+            <a:gs pos="0">
+              <a:schemeClr val="phClr">
+                <a:tint val="96000"/>
+                <a:shade val="100000"/>
+                <a:alpha val="100000"/>
+                <a:satMod val="180000"/>
+              </a:schemeClr>
+            </a:gs>
+            <a:gs pos="41000">
+              <a:schemeClr val="phClr">
+                <a:tint val="100000"/>
+                <a:shade val="100000"/>
+                <a:alpha val="100000"/>
+                <a:satMod val="150000"/>
+              </a:schemeClr>
+            </a:gs>
+            <a:gs pos="100000">
+              <a:schemeClr val="phClr">
+                <a:tint val="100000"/>
+                <a:shade val="65000"/>
+                <a:alpha val="100000"/>
+              </a:schemeClr>
+            </a:gs>
+          </a:gsLst>
+          <a:path path="circle">
+            <a:fillToRect l="50000" t="80000" r="100000" b="100000"/>
+          </a:path>
+        </a:gradFill>
+      </a:bgFillStyleLst>
+    </a:fmtScheme>
+  </a:themeElements>
+  <a:objectDefaults/>
+  <a:extraClrSchemeLst/>
+</a:theme>
+</file>
+
+<file path=ppt/theme/theme2.xml><?xml version="1.0" encoding="utf-8"?>
 <a:theme xmlns:a="http://schemas.openxmlformats.org/drawingml/2006/main" name="Office Theme">
   <a:themeElements>
     <a:clrScheme name="Office">
